--- a/Images/Header/Headerv2.pptx
+++ b/Images/Header/Headerv2.pptx
@@ -13,7 +13,7 @@
     <a:defPPr>
       <a:defRPr lang="en-US"/>
     </a:defPPr>
-    <a:lvl1pPr marL="0" algn="l" defTabSz="457200" rtl="0" eaLnBrk="1" latinLnBrk="0" hangingPunct="1">
+    <a:lvl1pPr marL="0" algn="l" defTabSz="457135" rtl="0" eaLnBrk="1" latinLnBrk="0" hangingPunct="1">
       <a:defRPr sz="1800" kern="1200">
         <a:solidFill>
           <a:schemeClr val="tx1"/>
@@ -23,7 +23,7 @@
         <a:cs typeface="+mn-cs"/>
       </a:defRPr>
     </a:lvl1pPr>
-    <a:lvl2pPr marL="457200" algn="l" defTabSz="457200" rtl="0" eaLnBrk="1" latinLnBrk="0" hangingPunct="1">
+    <a:lvl2pPr marL="457135" algn="l" defTabSz="457135" rtl="0" eaLnBrk="1" latinLnBrk="0" hangingPunct="1">
       <a:defRPr sz="1800" kern="1200">
         <a:solidFill>
           <a:schemeClr val="tx1"/>
@@ -33,7 +33,7 @@
         <a:cs typeface="+mn-cs"/>
       </a:defRPr>
     </a:lvl2pPr>
-    <a:lvl3pPr marL="914400" algn="l" defTabSz="457200" rtl="0" eaLnBrk="1" latinLnBrk="0" hangingPunct="1">
+    <a:lvl3pPr marL="914271" algn="l" defTabSz="457135" rtl="0" eaLnBrk="1" latinLnBrk="0" hangingPunct="1">
       <a:defRPr sz="1800" kern="1200">
         <a:solidFill>
           <a:schemeClr val="tx1"/>
@@ -43,7 +43,7 @@
         <a:cs typeface="+mn-cs"/>
       </a:defRPr>
     </a:lvl3pPr>
-    <a:lvl4pPr marL="1371600" algn="l" defTabSz="457200" rtl="0" eaLnBrk="1" latinLnBrk="0" hangingPunct="1">
+    <a:lvl4pPr marL="1371406" algn="l" defTabSz="457135" rtl="0" eaLnBrk="1" latinLnBrk="0" hangingPunct="1">
       <a:defRPr sz="1800" kern="1200">
         <a:solidFill>
           <a:schemeClr val="tx1"/>
@@ -53,7 +53,7 @@
         <a:cs typeface="+mn-cs"/>
       </a:defRPr>
     </a:lvl4pPr>
-    <a:lvl5pPr marL="1828800" algn="l" defTabSz="457200" rtl="0" eaLnBrk="1" latinLnBrk="0" hangingPunct="1">
+    <a:lvl5pPr marL="1828541" algn="l" defTabSz="457135" rtl="0" eaLnBrk="1" latinLnBrk="0" hangingPunct="1">
       <a:defRPr sz="1800" kern="1200">
         <a:solidFill>
           <a:schemeClr val="tx1"/>
@@ -63,7 +63,7 @@
         <a:cs typeface="+mn-cs"/>
       </a:defRPr>
     </a:lvl5pPr>
-    <a:lvl6pPr marL="2286000" algn="l" defTabSz="457200" rtl="0" eaLnBrk="1" latinLnBrk="0" hangingPunct="1">
+    <a:lvl6pPr marL="2285678" algn="l" defTabSz="457135" rtl="0" eaLnBrk="1" latinLnBrk="0" hangingPunct="1">
       <a:defRPr sz="1800" kern="1200">
         <a:solidFill>
           <a:schemeClr val="tx1"/>
@@ -73,7 +73,7 @@
         <a:cs typeface="+mn-cs"/>
       </a:defRPr>
     </a:lvl6pPr>
-    <a:lvl7pPr marL="2743200" algn="l" defTabSz="457200" rtl="0" eaLnBrk="1" latinLnBrk="0" hangingPunct="1">
+    <a:lvl7pPr marL="2742813" algn="l" defTabSz="457135" rtl="0" eaLnBrk="1" latinLnBrk="0" hangingPunct="1">
       <a:defRPr sz="1800" kern="1200">
         <a:solidFill>
           <a:schemeClr val="tx1"/>
@@ -83,7 +83,7 @@
         <a:cs typeface="+mn-cs"/>
       </a:defRPr>
     </a:lvl7pPr>
-    <a:lvl8pPr marL="3200400" algn="l" defTabSz="457200" rtl="0" eaLnBrk="1" latinLnBrk="0" hangingPunct="1">
+    <a:lvl8pPr marL="3199948" algn="l" defTabSz="457135" rtl="0" eaLnBrk="1" latinLnBrk="0" hangingPunct="1">
       <a:defRPr sz="1800" kern="1200">
         <a:solidFill>
           <a:schemeClr val="tx1"/>
@@ -93,7 +93,7 @@
         <a:cs typeface="+mn-cs"/>
       </a:defRPr>
     </a:lvl8pPr>
-    <a:lvl9pPr marL="3657600" algn="l" defTabSz="457200" rtl="0" eaLnBrk="1" latinLnBrk="0" hangingPunct="1">
+    <a:lvl9pPr marL="3657084" algn="l" defTabSz="457135" rtl="0" eaLnBrk="1" latinLnBrk="0" hangingPunct="1">
       <a:defRPr sz="1800" kern="1200">
         <a:solidFill>
           <a:schemeClr val="tx1"/>
@@ -112,23 +112,39 @@
 </p:presentation>
 </file>
 
+<file path=ppt/revisionInfo.xml><?xml version="1.0" encoding="utf-8"?>
+<p1510:revInfo xmlns:a="http://schemas.openxmlformats.org/drawingml/2006/main" xmlns:r="http://schemas.openxmlformats.org/officeDocument/2006/relationships" xmlns:p1510="http://schemas.microsoft.com/office/powerpoint/2015/10/main">
+  <p1510:revLst>
+    <p1510:client id="{1CB9548A-19C8-46EB-8EEE-D8CB779A6BD3}" v="8" dt="2022-02-13T06:45:43.030"/>
+  </p1510:revLst>
+</p1510:revInfo>
+</file>
+
 <file path=ppt/changesInfos/changesInfo1.xml><?xml version="1.0" encoding="utf-8"?>
 <pc:chgInfo xmlns:a="http://schemas.openxmlformats.org/drawingml/2006/main" xmlns:r="http://schemas.openxmlformats.org/officeDocument/2006/relationships" xmlns:ac="http://schemas.microsoft.com/office/drawing/2013/main/command" xmlns:pc="http://schemas.microsoft.com/office/powerpoint/2013/main/command">
   <pc:docChgLst>
     <pc:chgData name="Percy Soto Becerra" userId="74d2a9162288af9c" providerId="LiveId" clId="{1CB9548A-19C8-46EB-8EEE-D8CB779A6BD3}"/>
-    <pc:docChg chg="undo custSel modSld">
-      <pc:chgData name="Percy Soto Becerra" userId="74d2a9162288af9c" providerId="LiveId" clId="{1CB9548A-19C8-46EB-8EEE-D8CB779A6BD3}" dt="2022-02-13T06:37:23.031" v="6" actId="1076"/>
+    <pc:docChg chg="undo redo custSel modSld modMainMaster">
+      <pc:chgData name="Percy Soto Becerra" userId="74d2a9162288af9c" providerId="LiveId" clId="{1CB9548A-19C8-46EB-8EEE-D8CB779A6BD3}" dt="2022-02-13T06:47:35.982" v="48" actId="688"/>
       <pc:docMkLst>
         <pc:docMk/>
       </pc:docMkLst>
       <pc:sldChg chg="modSp mod">
-        <pc:chgData name="Percy Soto Becerra" userId="74d2a9162288af9c" providerId="LiveId" clId="{1CB9548A-19C8-46EB-8EEE-D8CB779A6BD3}" dt="2022-02-13T06:37:23.031" v="6" actId="1076"/>
+        <pc:chgData name="Percy Soto Becerra" userId="74d2a9162288af9c" providerId="LiveId" clId="{1CB9548A-19C8-46EB-8EEE-D8CB779A6BD3}" dt="2022-02-13T06:47:35.982" v="48" actId="688"/>
         <pc:sldMkLst>
           <pc:docMk/>
           <pc:sldMk cId="3288410021" sldId="256"/>
         </pc:sldMkLst>
         <pc:spChg chg="mod">
-          <ac:chgData name="Percy Soto Becerra" userId="74d2a9162288af9c" providerId="LiveId" clId="{1CB9548A-19C8-46EB-8EEE-D8CB779A6BD3}" dt="2022-02-13T06:36:51.103" v="4" actId="20577"/>
+          <ac:chgData name="Percy Soto Becerra" userId="74d2a9162288af9c" providerId="LiveId" clId="{1CB9548A-19C8-46EB-8EEE-D8CB779A6BD3}" dt="2022-02-13T06:47:14.910" v="44" actId="1076"/>
+          <ac:spMkLst>
+            <pc:docMk/>
+            <pc:sldMk cId="3288410021" sldId="256"/>
+            <ac:spMk id="2" creationId="{1D2391B8-CACC-4330-ADAA-B0B8E54D3B87}"/>
+          </ac:spMkLst>
+        </pc:spChg>
+        <pc:spChg chg="mod">
+          <ac:chgData name="Percy Soto Becerra" userId="74d2a9162288af9c" providerId="LiveId" clId="{1CB9548A-19C8-46EB-8EEE-D8CB779A6BD3}" dt="2022-02-13T06:47:35.982" v="48" actId="688"/>
           <ac:spMkLst>
             <pc:docMk/>
             <pc:sldMk cId="3288410021" sldId="256"/>
@@ -136,7 +152,7 @@
           </ac:spMkLst>
         </pc:spChg>
         <pc:spChg chg="mod">
-          <ac:chgData name="Percy Soto Becerra" userId="74d2a9162288af9c" providerId="LiveId" clId="{1CB9548A-19C8-46EB-8EEE-D8CB779A6BD3}" dt="2022-02-13T06:37:23.031" v="6" actId="1076"/>
+          <ac:chgData name="Percy Soto Becerra" userId="74d2a9162288af9c" providerId="LiveId" clId="{1CB9548A-19C8-46EB-8EEE-D8CB779A6BD3}" dt="2022-02-13T06:47:02.654" v="43" actId="1076"/>
           <ac:spMkLst>
             <pc:docMk/>
             <pc:sldMk cId="3288410021" sldId="256"/>
@@ -144,6 +160,828 @@
           </ac:spMkLst>
         </pc:spChg>
       </pc:sldChg>
+      <pc:sldMasterChg chg="modSp modSldLayout">
+        <pc:chgData name="Percy Soto Becerra" userId="74d2a9162288af9c" providerId="LiveId" clId="{1CB9548A-19C8-46EB-8EEE-D8CB779A6BD3}" dt="2022-02-13T06:45:43.030" v="31"/>
+        <pc:sldMasterMkLst>
+          <pc:docMk/>
+          <pc:sldMasterMk cId="3818227123" sldId="2147483696"/>
+        </pc:sldMasterMkLst>
+        <pc:spChg chg="mod">
+          <ac:chgData name="Percy Soto Becerra" userId="74d2a9162288af9c" providerId="LiveId" clId="{1CB9548A-19C8-46EB-8EEE-D8CB779A6BD3}" dt="2022-02-13T06:45:43.030" v="31"/>
+          <ac:spMkLst>
+            <pc:docMk/>
+            <pc:sldMasterMk cId="3818227123" sldId="2147483696"/>
+            <ac:spMk id="2" creationId="{00000000-0000-0000-0000-000000000000}"/>
+          </ac:spMkLst>
+        </pc:spChg>
+        <pc:spChg chg="mod">
+          <ac:chgData name="Percy Soto Becerra" userId="74d2a9162288af9c" providerId="LiveId" clId="{1CB9548A-19C8-46EB-8EEE-D8CB779A6BD3}" dt="2022-02-13T06:45:43.030" v="31"/>
+          <ac:spMkLst>
+            <pc:docMk/>
+            <pc:sldMasterMk cId="3818227123" sldId="2147483696"/>
+            <ac:spMk id="3" creationId="{00000000-0000-0000-0000-000000000000}"/>
+          </ac:spMkLst>
+        </pc:spChg>
+        <pc:spChg chg="mod">
+          <ac:chgData name="Percy Soto Becerra" userId="74d2a9162288af9c" providerId="LiveId" clId="{1CB9548A-19C8-46EB-8EEE-D8CB779A6BD3}" dt="2022-02-13T06:45:43.030" v="31"/>
+          <ac:spMkLst>
+            <pc:docMk/>
+            <pc:sldMasterMk cId="3818227123" sldId="2147483696"/>
+            <ac:spMk id="4" creationId="{00000000-0000-0000-0000-000000000000}"/>
+          </ac:spMkLst>
+        </pc:spChg>
+        <pc:spChg chg="mod">
+          <ac:chgData name="Percy Soto Becerra" userId="74d2a9162288af9c" providerId="LiveId" clId="{1CB9548A-19C8-46EB-8EEE-D8CB779A6BD3}" dt="2022-02-13T06:45:43.030" v="31"/>
+          <ac:spMkLst>
+            <pc:docMk/>
+            <pc:sldMasterMk cId="3818227123" sldId="2147483696"/>
+            <ac:spMk id="5" creationId="{00000000-0000-0000-0000-000000000000}"/>
+          </ac:spMkLst>
+        </pc:spChg>
+        <pc:spChg chg="mod">
+          <ac:chgData name="Percy Soto Becerra" userId="74d2a9162288af9c" providerId="LiveId" clId="{1CB9548A-19C8-46EB-8EEE-D8CB779A6BD3}" dt="2022-02-13T06:45:43.030" v="31"/>
+          <ac:spMkLst>
+            <pc:docMk/>
+            <pc:sldMasterMk cId="3818227123" sldId="2147483696"/>
+            <ac:spMk id="6" creationId="{00000000-0000-0000-0000-000000000000}"/>
+          </ac:spMkLst>
+        </pc:spChg>
+        <pc:sldLayoutChg chg="modSp">
+          <pc:chgData name="Percy Soto Becerra" userId="74d2a9162288af9c" providerId="LiveId" clId="{1CB9548A-19C8-46EB-8EEE-D8CB779A6BD3}" dt="2022-02-13T06:45:43.030" v="31"/>
+          <pc:sldLayoutMkLst>
+            <pc:docMk/>
+            <pc:sldMasterMk cId="3818227123" sldId="2147483696"/>
+            <pc:sldLayoutMk cId="2345581298" sldId="2147483697"/>
+          </pc:sldLayoutMkLst>
+          <pc:spChg chg="mod">
+            <ac:chgData name="Percy Soto Becerra" userId="74d2a9162288af9c" providerId="LiveId" clId="{1CB9548A-19C8-46EB-8EEE-D8CB779A6BD3}" dt="2022-02-13T06:45:43.030" v="31"/>
+            <ac:spMkLst>
+              <pc:docMk/>
+              <pc:sldMasterMk cId="3818227123" sldId="2147483696"/>
+              <pc:sldLayoutMk cId="2345581298" sldId="2147483697"/>
+              <ac:spMk id="2" creationId="{00000000-0000-0000-0000-000000000000}"/>
+            </ac:spMkLst>
+          </pc:spChg>
+          <pc:spChg chg="mod">
+            <ac:chgData name="Percy Soto Becerra" userId="74d2a9162288af9c" providerId="LiveId" clId="{1CB9548A-19C8-46EB-8EEE-D8CB779A6BD3}" dt="2022-02-13T06:45:43.030" v="31"/>
+            <ac:spMkLst>
+              <pc:docMk/>
+              <pc:sldMasterMk cId="3818227123" sldId="2147483696"/>
+              <pc:sldLayoutMk cId="2345581298" sldId="2147483697"/>
+              <ac:spMk id="3" creationId="{00000000-0000-0000-0000-000000000000}"/>
+            </ac:spMkLst>
+          </pc:spChg>
+        </pc:sldLayoutChg>
+        <pc:sldLayoutChg chg="modSp">
+          <pc:chgData name="Percy Soto Becerra" userId="74d2a9162288af9c" providerId="LiveId" clId="{1CB9548A-19C8-46EB-8EEE-D8CB779A6BD3}" dt="2022-02-13T06:45:43.030" v="31"/>
+          <pc:sldLayoutMkLst>
+            <pc:docMk/>
+            <pc:sldMasterMk cId="3818227123" sldId="2147483696"/>
+            <pc:sldLayoutMk cId="3976002081" sldId="2147483699"/>
+          </pc:sldLayoutMkLst>
+          <pc:spChg chg="mod">
+            <ac:chgData name="Percy Soto Becerra" userId="74d2a9162288af9c" providerId="LiveId" clId="{1CB9548A-19C8-46EB-8EEE-D8CB779A6BD3}" dt="2022-02-13T06:45:43.030" v="31"/>
+            <ac:spMkLst>
+              <pc:docMk/>
+              <pc:sldMasterMk cId="3818227123" sldId="2147483696"/>
+              <pc:sldLayoutMk cId="3976002081" sldId="2147483699"/>
+              <ac:spMk id="2" creationId="{00000000-0000-0000-0000-000000000000}"/>
+            </ac:spMkLst>
+          </pc:spChg>
+          <pc:spChg chg="mod">
+            <ac:chgData name="Percy Soto Becerra" userId="74d2a9162288af9c" providerId="LiveId" clId="{1CB9548A-19C8-46EB-8EEE-D8CB779A6BD3}" dt="2022-02-13T06:45:43.030" v="31"/>
+            <ac:spMkLst>
+              <pc:docMk/>
+              <pc:sldMasterMk cId="3818227123" sldId="2147483696"/>
+              <pc:sldLayoutMk cId="3976002081" sldId="2147483699"/>
+              <ac:spMk id="3" creationId="{00000000-0000-0000-0000-000000000000}"/>
+            </ac:spMkLst>
+          </pc:spChg>
+        </pc:sldLayoutChg>
+        <pc:sldLayoutChg chg="modSp">
+          <pc:chgData name="Percy Soto Becerra" userId="74d2a9162288af9c" providerId="LiveId" clId="{1CB9548A-19C8-46EB-8EEE-D8CB779A6BD3}" dt="2022-02-13T06:45:43.030" v="31"/>
+          <pc:sldLayoutMkLst>
+            <pc:docMk/>
+            <pc:sldMasterMk cId="3818227123" sldId="2147483696"/>
+            <pc:sldLayoutMk cId="3950062888" sldId="2147483700"/>
+          </pc:sldLayoutMkLst>
+          <pc:spChg chg="mod">
+            <ac:chgData name="Percy Soto Becerra" userId="74d2a9162288af9c" providerId="LiveId" clId="{1CB9548A-19C8-46EB-8EEE-D8CB779A6BD3}" dt="2022-02-13T06:45:43.030" v="31"/>
+            <ac:spMkLst>
+              <pc:docMk/>
+              <pc:sldMasterMk cId="3818227123" sldId="2147483696"/>
+              <pc:sldLayoutMk cId="3950062888" sldId="2147483700"/>
+              <ac:spMk id="3" creationId="{00000000-0000-0000-0000-000000000000}"/>
+            </ac:spMkLst>
+          </pc:spChg>
+          <pc:spChg chg="mod">
+            <ac:chgData name="Percy Soto Becerra" userId="74d2a9162288af9c" providerId="LiveId" clId="{1CB9548A-19C8-46EB-8EEE-D8CB779A6BD3}" dt="2022-02-13T06:45:43.030" v="31"/>
+            <ac:spMkLst>
+              <pc:docMk/>
+              <pc:sldMasterMk cId="3818227123" sldId="2147483696"/>
+              <pc:sldLayoutMk cId="3950062888" sldId="2147483700"/>
+              <ac:spMk id="4" creationId="{00000000-0000-0000-0000-000000000000}"/>
+            </ac:spMkLst>
+          </pc:spChg>
+        </pc:sldLayoutChg>
+        <pc:sldLayoutChg chg="modSp">
+          <pc:chgData name="Percy Soto Becerra" userId="74d2a9162288af9c" providerId="LiveId" clId="{1CB9548A-19C8-46EB-8EEE-D8CB779A6BD3}" dt="2022-02-13T06:45:43.030" v="31"/>
+          <pc:sldLayoutMkLst>
+            <pc:docMk/>
+            <pc:sldMasterMk cId="3818227123" sldId="2147483696"/>
+            <pc:sldLayoutMk cId="4059202274" sldId="2147483701"/>
+          </pc:sldLayoutMkLst>
+          <pc:spChg chg="mod">
+            <ac:chgData name="Percy Soto Becerra" userId="74d2a9162288af9c" providerId="LiveId" clId="{1CB9548A-19C8-46EB-8EEE-D8CB779A6BD3}" dt="2022-02-13T06:45:43.030" v="31"/>
+            <ac:spMkLst>
+              <pc:docMk/>
+              <pc:sldMasterMk cId="3818227123" sldId="2147483696"/>
+              <pc:sldLayoutMk cId="4059202274" sldId="2147483701"/>
+              <ac:spMk id="2" creationId="{00000000-0000-0000-0000-000000000000}"/>
+            </ac:spMkLst>
+          </pc:spChg>
+          <pc:spChg chg="mod">
+            <ac:chgData name="Percy Soto Becerra" userId="74d2a9162288af9c" providerId="LiveId" clId="{1CB9548A-19C8-46EB-8EEE-D8CB779A6BD3}" dt="2022-02-13T06:45:43.030" v="31"/>
+            <ac:spMkLst>
+              <pc:docMk/>
+              <pc:sldMasterMk cId="3818227123" sldId="2147483696"/>
+              <pc:sldLayoutMk cId="4059202274" sldId="2147483701"/>
+              <ac:spMk id="3" creationId="{00000000-0000-0000-0000-000000000000}"/>
+            </ac:spMkLst>
+          </pc:spChg>
+          <pc:spChg chg="mod">
+            <ac:chgData name="Percy Soto Becerra" userId="74d2a9162288af9c" providerId="LiveId" clId="{1CB9548A-19C8-46EB-8EEE-D8CB779A6BD3}" dt="2022-02-13T06:45:43.030" v="31"/>
+            <ac:spMkLst>
+              <pc:docMk/>
+              <pc:sldMasterMk cId="3818227123" sldId="2147483696"/>
+              <pc:sldLayoutMk cId="4059202274" sldId="2147483701"/>
+              <ac:spMk id="4" creationId="{00000000-0000-0000-0000-000000000000}"/>
+            </ac:spMkLst>
+          </pc:spChg>
+          <pc:spChg chg="mod">
+            <ac:chgData name="Percy Soto Becerra" userId="74d2a9162288af9c" providerId="LiveId" clId="{1CB9548A-19C8-46EB-8EEE-D8CB779A6BD3}" dt="2022-02-13T06:45:43.030" v="31"/>
+            <ac:spMkLst>
+              <pc:docMk/>
+              <pc:sldMasterMk cId="3818227123" sldId="2147483696"/>
+              <pc:sldLayoutMk cId="4059202274" sldId="2147483701"/>
+              <ac:spMk id="5" creationId="{00000000-0000-0000-0000-000000000000}"/>
+            </ac:spMkLst>
+          </pc:spChg>
+          <pc:spChg chg="mod">
+            <ac:chgData name="Percy Soto Becerra" userId="74d2a9162288af9c" providerId="LiveId" clId="{1CB9548A-19C8-46EB-8EEE-D8CB779A6BD3}" dt="2022-02-13T06:45:43.030" v="31"/>
+            <ac:spMkLst>
+              <pc:docMk/>
+              <pc:sldMasterMk cId="3818227123" sldId="2147483696"/>
+              <pc:sldLayoutMk cId="4059202274" sldId="2147483701"/>
+              <ac:spMk id="6" creationId="{00000000-0000-0000-0000-000000000000}"/>
+            </ac:spMkLst>
+          </pc:spChg>
+        </pc:sldLayoutChg>
+        <pc:sldLayoutChg chg="modSp">
+          <pc:chgData name="Percy Soto Becerra" userId="74d2a9162288af9c" providerId="LiveId" clId="{1CB9548A-19C8-46EB-8EEE-D8CB779A6BD3}" dt="2022-02-13T06:45:43.030" v="31"/>
+          <pc:sldLayoutMkLst>
+            <pc:docMk/>
+            <pc:sldMasterMk cId="3818227123" sldId="2147483696"/>
+            <pc:sldLayoutMk cId="3052749898" sldId="2147483704"/>
+          </pc:sldLayoutMkLst>
+          <pc:spChg chg="mod">
+            <ac:chgData name="Percy Soto Becerra" userId="74d2a9162288af9c" providerId="LiveId" clId="{1CB9548A-19C8-46EB-8EEE-D8CB779A6BD3}" dt="2022-02-13T06:45:43.030" v="31"/>
+            <ac:spMkLst>
+              <pc:docMk/>
+              <pc:sldMasterMk cId="3818227123" sldId="2147483696"/>
+              <pc:sldLayoutMk cId="3052749898" sldId="2147483704"/>
+              <ac:spMk id="2" creationId="{00000000-0000-0000-0000-000000000000}"/>
+            </ac:spMkLst>
+          </pc:spChg>
+          <pc:spChg chg="mod">
+            <ac:chgData name="Percy Soto Becerra" userId="74d2a9162288af9c" providerId="LiveId" clId="{1CB9548A-19C8-46EB-8EEE-D8CB779A6BD3}" dt="2022-02-13T06:45:43.030" v="31"/>
+            <ac:spMkLst>
+              <pc:docMk/>
+              <pc:sldMasterMk cId="3818227123" sldId="2147483696"/>
+              <pc:sldLayoutMk cId="3052749898" sldId="2147483704"/>
+              <ac:spMk id="3" creationId="{00000000-0000-0000-0000-000000000000}"/>
+            </ac:spMkLst>
+          </pc:spChg>
+          <pc:spChg chg="mod">
+            <ac:chgData name="Percy Soto Becerra" userId="74d2a9162288af9c" providerId="LiveId" clId="{1CB9548A-19C8-46EB-8EEE-D8CB779A6BD3}" dt="2022-02-13T06:45:43.030" v="31"/>
+            <ac:spMkLst>
+              <pc:docMk/>
+              <pc:sldMasterMk cId="3818227123" sldId="2147483696"/>
+              <pc:sldLayoutMk cId="3052749898" sldId="2147483704"/>
+              <ac:spMk id="4" creationId="{00000000-0000-0000-0000-000000000000}"/>
+            </ac:spMkLst>
+          </pc:spChg>
+        </pc:sldLayoutChg>
+        <pc:sldLayoutChg chg="modSp">
+          <pc:chgData name="Percy Soto Becerra" userId="74d2a9162288af9c" providerId="LiveId" clId="{1CB9548A-19C8-46EB-8EEE-D8CB779A6BD3}" dt="2022-02-13T06:45:43.030" v="31"/>
+          <pc:sldLayoutMkLst>
+            <pc:docMk/>
+            <pc:sldMasterMk cId="3818227123" sldId="2147483696"/>
+            <pc:sldLayoutMk cId="961528569" sldId="2147483705"/>
+          </pc:sldLayoutMkLst>
+          <pc:spChg chg="mod">
+            <ac:chgData name="Percy Soto Becerra" userId="74d2a9162288af9c" providerId="LiveId" clId="{1CB9548A-19C8-46EB-8EEE-D8CB779A6BD3}" dt="2022-02-13T06:45:43.030" v="31"/>
+            <ac:spMkLst>
+              <pc:docMk/>
+              <pc:sldMasterMk cId="3818227123" sldId="2147483696"/>
+              <pc:sldLayoutMk cId="961528569" sldId="2147483705"/>
+              <ac:spMk id="2" creationId="{00000000-0000-0000-0000-000000000000}"/>
+            </ac:spMkLst>
+          </pc:spChg>
+          <pc:spChg chg="mod">
+            <ac:chgData name="Percy Soto Becerra" userId="74d2a9162288af9c" providerId="LiveId" clId="{1CB9548A-19C8-46EB-8EEE-D8CB779A6BD3}" dt="2022-02-13T06:45:43.030" v="31"/>
+            <ac:spMkLst>
+              <pc:docMk/>
+              <pc:sldMasterMk cId="3818227123" sldId="2147483696"/>
+              <pc:sldLayoutMk cId="961528569" sldId="2147483705"/>
+              <ac:spMk id="3" creationId="{00000000-0000-0000-0000-000000000000}"/>
+            </ac:spMkLst>
+          </pc:spChg>
+          <pc:spChg chg="mod">
+            <ac:chgData name="Percy Soto Becerra" userId="74d2a9162288af9c" providerId="LiveId" clId="{1CB9548A-19C8-46EB-8EEE-D8CB779A6BD3}" dt="2022-02-13T06:45:43.030" v="31"/>
+            <ac:spMkLst>
+              <pc:docMk/>
+              <pc:sldMasterMk cId="3818227123" sldId="2147483696"/>
+              <pc:sldLayoutMk cId="961528569" sldId="2147483705"/>
+              <ac:spMk id="4" creationId="{00000000-0000-0000-0000-000000000000}"/>
+            </ac:spMkLst>
+          </pc:spChg>
+        </pc:sldLayoutChg>
+        <pc:sldLayoutChg chg="modSp">
+          <pc:chgData name="Percy Soto Becerra" userId="74d2a9162288af9c" providerId="LiveId" clId="{1CB9548A-19C8-46EB-8EEE-D8CB779A6BD3}" dt="2022-02-13T06:45:43.030" v="31"/>
+          <pc:sldLayoutMkLst>
+            <pc:docMk/>
+            <pc:sldMasterMk cId="3818227123" sldId="2147483696"/>
+            <pc:sldLayoutMk cId="1992044249" sldId="2147483707"/>
+          </pc:sldLayoutMkLst>
+          <pc:spChg chg="mod">
+            <ac:chgData name="Percy Soto Becerra" userId="74d2a9162288af9c" providerId="LiveId" clId="{1CB9548A-19C8-46EB-8EEE-D8CB779A6BD3}" dt="2022-02-13T06:45:43.030" v="31"/>
+            <ac:spMkLst>
+              <pc:docMk/>
+              <pc:sldMasterMk cId="3818227123" sldId="2147483696"/>
+              <pc:sldLayoutMk cId="1992044249" sldId="2147483707"/>
+              <ac:spMk id="2" creationId="{00000000-0000-0000-0000-000000000000}"/>
+            </ac:spMkLst>
+          </pc:spChg>
+          <pc:spChg chg="mod">
+            <ac:chgData name="Percy Soto Becerra" userId="74d2a9162288af9c" providerId="LiveId" clId="{1CB9548A-19C8-46EB-8EEE-D8CB779A6BD3}" dt="2022-02-13T06:45:43.030" v="31"/>
+            <ac:spMkLst>
+              <pc:docMk/>
+              <pc:sldMasterMk cId="3818227123" sldId="2147483696"/>
+              <pc:sldLayoutMk cId="1992044249" sldId="2147483707"/>
+              <ac:spMk id="3" creationId="{00000000-0000-0000-0000-000000000000}"/>
+            </ac:spMkLst>
+          </pc:spChg>
+        </pc:sldLayoutChg>
+      </pc:sldMasterChg>
+      <pc:sldMasterChg chg="modSp modSldLayout">
+        <pc:chgData name="Percy Soto Becerra" userId="74d2a9162288af9c" providerId="LiveId" clId="{1CB9548A-19C8-46EB-8EEE-D8CB779A6BD3}" dt="2022-02-13T06:44:58.245" v="23"/>
+        <pc:sldMasterMkLst>
+          <pc:docMk/>
+          <pc:sldMasterMk cId="1675261617" sldId="2147483708"/>
+        </pc:sldMasterMkLst>
+        <pc:spChg chg="mod">
+          <ac:chgData name="Percy Soto Becerra" userId="74d2a9162288af9c" providerId="LiveId" clId="{1CB9548A-19C8-46EB-8EEE-D8CB779A6BD3}" dt="2022-02-13T06:44:58.245" v="23"/>
+          <ac:spMkLst>
+            <pc:docMk/>
+            <pc:sldMasterMk cId="1675261617" sldId="2147483708"/>
+            <ac:spMk id="2" creationId="{00000000-0000-0000-0000-000000000000}"/>
+          </ac:spMkLst>
+        </pc:spChg>
+        <pc:spChg chg="mod">
+          <ac:chgData name="Percy Soto Becerra" userId="74d2a9162288af9c" providerId="LiveId" clId="{1CB9548A-19C8-46EB-8EEE-D8CB779A6BD3}" dt="2022-02-13T06:44:58.245" v="23"/>
+          <ac:spMkLst>
+            <pc:docMk/>
+            <pc:sldMasterMk cId="1675261617" sldId="2147483708"/>
+            <ac:spMk id="3" creationId="{00000000-0000-0000-0000-000000000000}"/>
+          </ac:spMkLst>
+        </pc:spChg>
+        <pc:spChg chg="mod">
+          <ac:chgData name="Percy Soto Becerra" userId="74d2a9162288af9c" providerId="LiveId" clId="{1CB9548A-19C8-46EB-8EEE-D8CB779A6BD3}" dt="2022-02-13T06:44:58.245" v="23"/>
+          <ac:spMkLst>
+            <pc:docMk/>
+            <pc:sldMasterMk cId="1675261617" sldId="2147483708"/>
+            <ac:spMk id="4" creationId="{00000000-0000-0000-0000-000000000000}"/>
+          </ac:spMkLst>
+        </pc:spChg>
+        <pc:spChg chg="mod">
+          <ac:chgData name="Percy Soto Becerra" userId="74d2a9162288af9c" providerId="LiveId" clId="{1CB9548A-19C8-46EB-8EEE-D8CB779A6BD3}" dt="2022-02-13T06:44:58.245" v="23"/>
+          <ac:spMkLst>
+            <pc:docMk/>
+            <pc:sldMasterMk cId="1675261617" sldId="2147483708"/>
+            <ac:spMk id="5" creationId="{00000000-0000-0000-0000-000000000000}"/>
+          </ac:spMkLst>
+        </pc:spChg>
+        <pc:spChg chg="mod">
+          <ac:chgData name="Percy Soto Becerra" userId="74d2a9162288af9c" providerId="LiveId" clId="{1CB9548A-19C8-46EB-8EEE-D8CB779A6BD3}" dt="2022-02-13T06:44:58.245" v="23"/>
+          <ac:spMkLst>
+            <pc:docMk/>
+            <pc:sldMasterMk cId="1675261617" sldId="2147483708"/>
+            <ac:spMk id="6" creationId="{00000000-0000-0000-0000-000000000000}"/>
+          </ac:spMkLst>
+        </pc:spChg>
+        <pc:sldLayoutChg chg="modSp">
+          <pc:chgData name="Percy Soto Becerra" userId="74d2a9162288af9c" providerId="LiveId" clId="{1CB9548A-19C8-46EB-8EEE-D8CB779A6BD3}" dt="2022-02-13T06:44:58.245" v="23"/>
+          <pc:sldLayoutMkLst>
+            <pc:docMk/>
+            <pc:sldMasterMk cId="1675261617" sldId="2147483708"/>
+            <pc:sldLayoutMk cId="2390351563" sldId="2147483709"/>
+          </pc:sldLayoutMkLst>
+          <pc:spChg chg="mod">
+            <ac:chgData name="Percy Soto Becerra" userId="74d2a9162288af9c" providerId="LiveId" clId="{1CB9548A-19C8-46EB-8EEE-D8CB779A6BD3}" dt="2022-02-13T06:44:58.245" v="23"/>
+            <ac:spMkLst>
+              <pc:docMk/>
+              <pc:sldMasterMk cId="1675261617" sldId="2147483708"/>
+              <pc:sldLayoutMk cId="2390351563" sldId="2147483709"/>
+              <ac:spMk id="2" creationId="{00000000-0000-0000-0000-000000000000}"/>
+            </ac:spMkLst>
+          </pc:spChg>
+          <pc:spChg chg="mod">
+            <ac:chgData name="Percy Soto Becerra" userId="74d2a9162288af9c" providerId="LiveId" clId="{1CB9548A-19C8-46EB-8EEE-D8CB779A6BD3}" dt="2022-02-13T06:44:58.245" v="23"/>
+            <ac:spMkLst>
+              <pc:docMk/>
+              <pc:sldMasterMk cId="1675261617" sldId="2147483708"/>
+              <pc:sldLayoutMk cId="2390351563" sldId="2147483709"/>
+              <ac:spMk id="3" creationId="{00000000-0000-0000-0000-000000000000}"/>
+            </ac:spMkLst>
+          </pc:spChg>
+        </pc:sldLayoutChg>
+        <pc:sldLayoutChg chg="modSp">
+          <pc:chgData name="Percy Soto Becerra" userId="74d2a9162288af9c" providerId="LiveId" clId="{1CB9548A-19C8-46EB-8EEE-D8CB779A6BD3}" dt="2022-02-13T06:44:58.245" v="23"/>
+          <pc:sldLayoutMkLst>
+            <pc:docMk/>
+            <pc:sldMasterMk cId="1675261617" sldId="2147483708"/>
+            <pc:sldLayoutMk cId="3938181718" sldId="2147483711"/>
+          </pc:sldLayoutMkLst>
+          <pc:spChg chg="mod">
+            <ac:chgData name="Percy Soto Becerra" userId="74d2a9162288af9c" providerId="LiveId" clId="{1CB9548A-19C8-46EB-8EEE-D8CB779A6BD3}" dt="2022-02-13T06:44:58.245" v="23"/>
+            <ac:spMkLst>
+              <pc:docMk/>
+              <pc:sldMasterMk cId="1675261617" sldId="2147483708"/>
+              <pc:sldLayoutMk cId="3938181718" sldId="2147483711"/>
+              <ac:spMk id="2" creationId="{00000000-0000-0000-0000-000000000000}"/>
+            </ac:spMkLst>
+          </pc:spChg>
+          <pc:spChg chg="mod">
+            <ac:chgData name="Percy Soto Becerra" userId="74d2a9162288af9c" providerId="LiveId" clId="{1CB9548A-19C8-46EB-8EEE-D8CB779A6BD3}" dt="2022-02-13T06:44:58.245" v="23"/>
+            <ac:spMkLst>
+              <pc:docMk/>
+              <pc:sldMasterMk cId="1675261617" sldId="2147483708"/>
+              <pc:sldLayoutMk cId="3938181718" sldId="2147483711"/>
+              <ac:spMk id="3" creationId="{00000000-0000-0000-0000-000000000000}"/>
+            </ac:spMkLst>
+          </pc:spChg>
+        </pc:sldLayoutChg>
+        <pc:sldLayoutChg chg="modSp">
+          <pc:chgData name="Percy Soto Becerra" userId="74d2a9162288af9c" providerId="LiveId" clId="{1CB9548A-19C8-46EB-8EEE-D8CB779A6BD3}" dt="2022-02-13T06:44:58.245" v="23"/>
+          <pc:sldLayoutMkLst>
+            <pc:docMk/>
+            <pc:sldMasterMk cId="1675261617" sldId="2147483708"/>
+            <pc:sldLayoutMk cId="170245505" sldId="2147483712"/>
+          </pc:sldLayoutMkLst>
+          <pc:spChg chg="mod">
+            <ac:chgData name="Percy Soto Becerra" userId="74d2a9162288af9c" providerId="LiveId" clId="{1CB9548A-19C8-46EB-8EEE-D8CB779A6BD3}" dt="2022-02-13T06:44:58.245" v="23"/>
+            <ac:spMkLst>
+              <pc:docMk/>
+              <pc:sldMasterMk cId="1675261617" sldId="2147483708"/>
+              <pc:sldLayoutMk cId="170245505" sldId="2147483712"/>
+              <ac:spMk id="3" creationId="{00000000-0000-0000-0000-000000000000}"/>
+            </ac:spMkLst>
+          </pc:spChg>
+          <pc:spChg chg="mod">
+            <ac:chgData name="Percy Soto Becerra" userId="74d2a9162288af9c" providerId="LiveId" clId="{1CB9548A-19C8-46EB-8EEE-D8CB779A6BD3}" dt="2022-02-13T06:44:58.245" v="23"/>
+            <ac:spMkLst>
+              <pc:docMk/>
+              <pc:sldMasterMk cId="1675261617" sldId="2147483708"/>
+              <pc:sldLayoutMk cId="170245505" sldId="2147483712"/>
+              <ac:spMk id="4" creationId="{00000000-0000-0000-0000-000000000000}"/>
+            </ac:spMkLst>
+          </pc:spChg>
+        </pc:sldLayoutChg>
+        <pc:sldLayoutChg chg="modSp">
+          <pc:chgData name="Percy Soto Becerra" userId="74d2a9162288af9c" providerId="LiveId" clId="{1CB9548A-19C8-46EB-8EEE-D8CB779A6BD3}" dt="2022-02-13T06:44:58.245" v="23"/>
+          <pc:sldLayoutMkLst>
+            <pc:docMk/>
+            <pc:sldMasterMk cId="1675261617" sldId="2147483708"/>
+            <pc:sldLayoutMk cId="3230832685" sldId="2147483713"/>
+          </pc:sldLayoutMkLst>
+          <pc:spChg chg="mod">
+            <ac:chgData name="Percy Soto Becerra" userId="74d2a9162288af9c" providerId="LiveId" clId="{1CB9548A-19C8-46EB-8EEE-D8CB779A6BD3}" dt="2022-02-13T06:44:58.245" v="23"/>
+            <ac:spMkLst>
+              <pc:docMk/>
+              <pc:sldMasterMk cId="1675261617" sldId="2147483708"/>
+              <pc:sldLayoutMk cId="3230832685" sldId="2147483713"/>
+              <ac:spMk id="2" creationId="{00000000-0000-0000-0000-000000000000}"/>
+            </ac:spMkLst>
+          </pc:spChg>
+          <pc:spChg chg="mod">
+            <ac:chgData name="Percy Soto Becerra" userId="74d2a9162288af9c" providerId="LiveId" clId="{1CB9548A-19C8-46EB-8EEE-D8CB779A6BD3}" dt="2022-02-13T06:44:58.245" v="23"/>
+            <ac:spMkLst>
+              <pc:docMk/>
+              <pc:sldMasterMk cId="1675261617" sldId="2147483708"/>
+              <pc:sldLayoutMk cId="3230832685" sldId="2147483713"/>
+              <ac:spMk id="3" creationId="{00000000-0000-0000-0000-000000000000}"/>
+            </ac:spMkLst>
+          </pc:spChg>
+          <pc:spChg chg="mod">
+            <ac:chgData name="Percy Soto Becerra" userId="74d2a9162288af9c" providerId="LiveId" clId="{1CB9548A-19C8-46EB-8EEE-D8CB779A6BD3}" dt="2022-02-13T06:44:58.245" v="23"/>
+            <ac:spMkLst>
+              <pc:docMk/>
+              <pc:sldMasterMk cId="1675261617" sldId="2147483708"/>
+              <pc:sldLayoutMk cId="3230832685" sldId="2147483713"/>
+              <ac:spMk id="4" creationId="{00000000-0000-0000-0000-000000000000}"/>
+            </ac:spMkLst>
+          </pc:spChg>
+          <pc:spChg chg="mod">
+            <ac:chgData name="Percy Soto Becerra" userId="74d2a9162288af9c" providerId="LiveId" clId="{1CB9548A-19C8-46EB-8EEE-D8CB779A6BD3}" dt="2022-02-13T06:44:58.245" v="23"/>
+            <ac:spMkLst>
+              <pc:docMk/>
+              <pc:sldMasterMk cId="1675261617" sldId="2147483708"/>
+              <pc:sldLayoutMk cId="3230832685" sldId="2147483713"/>
+              <ac:spMk id="5" creationId="{00000000-0000-0000-0000-000000000000}"/>
+            </ac:spMkLst>
+          </pc:spChg>
+          <pc:spChg chg="mod">
+            <ac:chgData name="Percy Soto Becerra" userId="74d2a9162288af9c" providerId="LiveId" clId="{1CB9548A-19C8-46EB-8EEE-D8CB779A6BD3}" dt="2022-02-13T06:44:58.245" v="23"/>
+            <ac:spMkLst>
+              <pc:docMk/>
+              <pc:sldMasterMk cId="1675261617" sldId="2147483708"/>
+              <pc:sldLayoutMk cId="3230832685" sldId="2147483713"/>
+              <ac:spMk id="6" creationId="{00000000-0000-0000-0000-000000000000}"/>
+            </ac:spMkLst>
+          </pc:spChg>
+        </pc:sldLayoutChg>
+        <pc:sldLayoutChg chg="modSp">
+          <pc:chgData name="Percy Soto Becerra" userId="74d2a9162288af9c" providerId="LiveId" clId="{1CB9548A-19C8-46EB-8EEE-D8CB779A6BD3}" dt="2022-02-13T06:44:58.245" v="23"/>
+          <pc:sldLayoutMkLst>
+            <pc:docMk/>
+            <pc:sldMasterMk cId="1675261617" sldId="2147483708"/>
+            <pc:sldLayoutMk cId="423406587" sldId="2147483716"/>
+          </pc:sldLayoutMkLst>
+          <pc:spChg chg="mod">
+            <ac:chgData name="Percy Soto Becerra" userId="74d2a9162288af9c" providerId="LiveId" clId="{1CB9548A-19C8-46EB-8EEE-D8CB779A6BD3}" dt="2022-02-13T06:44:58.245" v="23"/>
+            <ac:spMkLst>
+              <pc:docMk/>
+              <pc:sldMasterMk cId="1675261617" sldId="2147483708"/>
+              <pc:sldLayoutMk cId="423406587" sldId="2147483716"/>
+              <ac:spMk id="2" creationId="{00000000-0000-0000-0000-000000000000}"/>
+            </ac:spMkLst>
+          </pc:spChg>
+          <pc:spChg chg="mod">
+            <ac:chgData name="Percy Soto Becerra" userId="74d2a9162288af9c" providerId="LiveId" clId="{1CB9548A-19C8-46EB-8EEE-D8CB779A6BD3}" dt="2022-02-13T06:44:58.245" v="23"/>
+            <ac:spMkLst>
+              <pc:docMk/>
+              <pc:sldMasterMk cId="1675261617" sldId="2147483708"/>
+              <pc:sldLayoutMk cId="423406587" sldId="2147483716"/>
+              <ac:spMk id="3" creationId="{00000000-0000-0000-0000-000000000000}"/>
+            </ac:spMkLst>
+          </pc:spChg>
+          <pc:spChg chg="mod">
+            <ac:chgData name="Percy Soto Becerra" userId="74d2a9162288af9c" providerId="LiveId" clId="{1CB9548A-19C8-46EB-8EEE-D8CB779A6BD3}" dt="2022-02-13T06:44:58.245" v="23"/>
+            <ac:spMkLst>
+              <pc:docMk/>
+              <pc:sldMasterMk cId="1675261617" sldId="2147483708"/>
+              <pc:sldLayoutMk cId="423406587" sldId="2147483716"/>
+              <ac:spMk id="4" creationId="{00000000-0000-0000-0000-000000000000}"/>
+            </ac:spMkLst>
+          </pc:spChg>
+        </pc:sldLayoutChg>
+        <pc:sldLayoutChg chg="modSp">
+          <pc:chgData name="Percy Soto Becerra" userId="74d2a9162288af9c" providerId="LiveId" clId="{1CB9548A-19C8-46EB-8EEE-D8CB779A6BD3}" dt="2022-02-13T06:44:58.245" v="23"/>
+          <pc:sldLayoutMkLst>
+            <pc:docMk/>
+            <pc:sldMasterMk cId="1675261617" sldId="2147483708"/>
+            <pc:sldLayoutMk cId="2312729487" sldId="2147483717"/>
+          </pc:sldLayoutMkLst>
+          <pc:spChg chg="mod">
+            <ac:chgData name="Percy Soto Becerra" userId="74d2a9162288af9c" providerId="LiveId" clId="{1CB9548A-19C8-46EB-8EEE-D8CB779A6BD3}" dt="2022-02-13T06:44:58.245" v="23"/>
+            <ac:spMkLst>
+              <pc:docMk/>
+              <pc:sldMasterMk cId="1675261617" sldId="2147483708"/>
+              <pc:sldLayoutMk cId="2312729487" sldId="2147483717"/>
+              <ac:spMk id="2" creationId="{00000000-0000-0000-0000-000000000000}"/>
+            </ac:spMkLst>
+          </pc:spChg>
+          <pc:spChg chg="mod">
+            <ac:chgData name="Percy Soto Becerra" userId="74d2a9162288af9c" providerId="LiveId" clId="{1CB9548A-19C8-46EB-8EEE-D8CB779A6BD3}" dt="2022-02-13T06:44:58.245" v="23"/>
+            <ac:spMkLst>
+              <pc:docMk/>
+              <pc:sldMasterMk cId="1675261617" sldId="2147483708"/>
+              <pc:sldLayoutMk cId="2312729487" sldId="2147483717"/>
+              <ac:spMk id="3" creationId="{00000000-0000-0000-0000-000000000000}"/>
+            </ac:spMkLst>
+          </pc:spChg>
+          <pc:spChg chg="mod">
+            <ac:chgData name="Percy Soto Becerra" userId="74d2a9162288af9c" providerId="LiveId" clId="{1CB9548A-19C8-46EB-8EEE-D8CB779A6BD3}" dt="2022-02-13T06:44:58.245" v="23"/>
+            <ac:spMkLst>
+              <pc:docMk/>
+              <pc:sldMasterMk cId="1675261617" sldId="2147483708"/>
+              <pc:sldLayoutMk cId="2312729487" sldId="2147483717"/>
+              <ac:spMk id="4" creationId="{00000000-0000-0000-0000-000000000000}"/>
+            </ac:spMkLst>
+          </pc:spChg>
+        </pc:sldLayoutChg>
+        <pc:sldLayoutChg chg="modSp">
+          <pc:chgData name="Percy Soto Becerra" userId="74d2a9162288af9c" providerId="LiveId" clId="{1CB9548A-19C8-46EB-8EEE-D8CB779A6BD3}" dt="2022-02-13T06:44:58.245" v="23"/>
+          <pc:sldLayoutMkLst>
+            <pc:docMk/>
+            <pc:sldMasterMk cId="1675261617" sldId="2147483708"/>
+            <pc:sldLayoutMk cId="504924127" sldId="2147483719"/>
+          </pc:sldLayoutMkLst>
+          <pc:spChg chg="mod">
+            <ac:chgData name="Percy Soto Becerra" userId="74d2a9162288af9c" providerId="LiveId" clId="{1CB9548A-19C8-46EB-8EEE-D8CB779A6BD3}" dt="2022-02-13T06:44:58.245" v="23"/>
+            <ac:spMkLst>
+              <pc:docMk/>
+              <pc:sldMasterMk cId="1675261617" sldId="2147483708"/>
+              <pc:sldLayoutMk cId="504924127" sldId="2147483719"/>
+              <ac:spMk id="2" creationId="{00000000-0000-0000-0000-000000000000}"/>
+            </ac:spMkLst>
+          </pc:spChg>
+          <pc:spChg chg="mod">
+            <ac:chgData name="Percy Soto Becerra" userId="74d2a9162288af9c" providerId="LiveId" clId="{1CB9548A-19C8-46EB-8EEE-D8CB779A6BD3}" dt="2022-02-13T06:44:58.245" v="23"/>
+            <ac:spMkLst>
+              <pc:docMk/>
+              <pc:sldMasterMk cId="1675261617" sldId="2147483708"/>
+              <pc:sldLayoutMk cId="504924127" sldId="2147483719"/>
+              <ac:spMk id="3" creationId="{00000000-0000-0000-0000-000000000000}"/>
+            </ac:spMkLst>
+          </pc:spChg>
+        </pc:sldLayoutChg>
+      </pc:sldMasterChg>
+      <pc:sldMasterChg chg="modSp modSldLayout">
+        <pc:chgData name="Percy Soto Becerra" userId="74d2a9162288af9c" providerId="LiveId" clId="{1CB9548A-19C8-46EB-8EEE-D8CB779A6BD3}" dt="2022-02-13T06:44:58.015" v="22"/>
+        <pc:sldMasterMkLst>
+          <pc:docMk/>
+          <pc:sldMasterMk cId="402621226" sldId="2147483720"/>
+        </pc:sldMasterMkLst>
+        <pc:spChg chg="mod">
+          <ac:chgData name="Percy Soto Becerra" userId="74d2a9162288af9c" providerId="LiveId" clId="{1CB9548A-19C8-46EB-8EEE-D8CB779A6BD3}" dt="2022-02-13T06:44:58.015" v="22"/>
+          <ac:spMkLst>
+            <pc:docMk/>
+            <pc:sldMasterMk cId="402621226" sldId="2147483720"/>
+            <ac:spMk id="2" creationId="{00000000-0000-0000-0000-000000000000}"/>
+          </ac:spMkLst>
+        </pc:spChg>
+        <pc:spChg chg="mod">
+          <ac:chgData name="Percy Soto Becerra" userId="74d2a9162288af9c" providerId="LiveId" clId="{1CB9548A-19C8-46EB-8EEE-D8CB779A6BD3}" dt="2022-02-13T06:44:58.015" v="22"/>
+          <ac:spMkLst>
+            <pc:docMk/>
+            <pc:sldMasterMk cId="402621226" sldId="2147483720"/>
+            <ac:spMk id="3" creationId="{00000000-0000-0000-0000-000000000000}"/>
+          </ac:spMkLst>
+        </pc:spChg>
+        <pc:spChg chg="mod">
+          <ac:chgData name="Percy Soto Becerra" userId="74d2a9162288af9c" providerId="LiveId" clId="{1CB9548A-19C8-46EB-8EEE-D8CB779A6BD3}" dt="2022-02-13T06:44:58.015" v="22"/>
+          <ac:spMkLst>
+            <pc:docMk/>
+            <pc:sldMasterMk cId="402621226" sldId="2147483720"/>
+            <ac:spMk id="4" creationId="{00000000-0000-0000-0000-000000000000}"/>
+          </ac:spMkLst>
+        </pc:spChg>
+        <pc:spChg chg="mod">
+          <ac:chgData name="Percy Soto Becerra" userId="74d2a9162288af9c" providerId="LiveId" clId="{1CB9548A-19C8-46EB-8EEE-D8CB779A6BD3}" dt="2022-02-13T06:44:58.015" v="22"/>
+          <ac:spMkLst>
+            <pc:docMk/>
+            <pc:sldMasterMk cId="402621226" sldId="2147483720"/>
+            <ac:spMk id="5" creationId="{00000000-0000-0000-0000-000000000000}"/>
+          </ac:spMkLst>
+        </pc:spChg>
+        <pc:spChg chg="mod">
+          <ac:chgData name="Percy Soto Becerra" userId="74d2a9162288af9c" providerId="LiveId" clId="{1CB9548A-19C8-46EB-8EEE-D8CB779A6BD3}" dt="2022-02-13T06:44:58.015" v="22"/>
+          <ac:spMkLst>
+            <pc:docMk/>
+            <pc:sldMasterMk cId="402621226" sldId="2147483720"/>
+            <ac:spMk id="6" creationId="{00000000-0000-0000-0000-000000000000}"/>
+          </ac:spMkLst>
+        </pc:spChg>
+        <pc:sldLayoutChg chg="modSp">
+          <pc:chgData name="Percy Soto Becerra" userId="74d2a9162288af9c" providerId="LiveId" clId="{1CB9548A-19C8-46EB-8EEE-D8CB779A6BD3}" dt="2022-02-13T06:44:58.015" v="22"/>
+          <pc:sldLayoutMkLst>
+            <pc:docMk/>
+            <pc:sldMasterMk cId="402621226" sldId="2147483720"/>
+            <pc:sldLayoutMk cId="1733869242" sldId="2147483721"/>
+          </pc:sldLayoutMkLst>
+          <pc:spChg chg="mod">
+            <ac:chgData name="Percy Soto Becerra" userId="74d2a9162288af9c" providerId="LiveId" clId="{1CB9548A-19C8-46EB-8EEE-D8CB779A6BD3}" dt="2022-02-13T06:44:58.015" v="22"/>
+            <ac:spMkLst>
+              <pc:docMk/>
+              <pc:sldMasterMk cId="402621226" sldId="2147483720"/>
+              <pc:sldLayoutMk cId="1733869242" sldId="2147483721"/>
+              <ac:spMk id="2" creationId="{00000000-0000-0000-0000-000000000000}"/>
+            </ac:spMkLst>
+          </pc:spChg>
+          <pc:spChg chg="mod">
+            <ac:chgData name="Percy Soto Becerra" userId="74d2a9162288af9c" providerId="LiveId" clId="{1CB9548A-19C8-46EB-8EEE-D8CB779A6BD3}" dt="2022-02-13T06:44:58.015" v="22"/>
+            <ac:spMkLst>
+              <pc:docMk/>
+              <pc:sldMasterMk cId="402621226" sldId="2147483720"/>
+              <pc:sldLayoutMk cId="1733869242" sldId="2147483721"/>
+              <ac:spMk id="3" creationId="{00000000-0000-0000-0000-000000000000}"/>
+            </ac:spMkLst>
+          </pc:spChg>
+        </pc:sldLayoutChg>
+        <pc:sldLayoutChg chg="modSp">
+          <pc:chgData name="Percy Soto Becerra" userId="74d2a9162288af9c" providerId="LiveId" clId="{1CB9548A-19C8-46EB-8EEE-D8CB779A6BD3}" dt="2022-02-13T06:44:58.015" v="22"/>
+          <pc:sldLayoutMkLst>
+            <pc:docMk/>
+            <pc:sldMasterMk cId="402621226" sldId="2147483720"/>
+            <pc:sldLayoutMk cId="885196906" sldId="2147483723"/>
+          </pc:sldLayoutMkLst>
+          <pc:spChg chg="mod">
+            <ac:chgData name="Percy Soto Becerra" userId="74d2a9162288af9c" providerId="LiveId" clId="{1CB9548A-19C8-46EB-8EEE-D8CB779A6BD3}" dt="2022-02-13T06:44:58.015" v="22"/>
+            <ac:spMkLst>
+              <pc:docMk/>
+              <pc:sldMasterMk cId="402621226" sldId="2147483720"/>
+              <pc:sldLayoutMk cId="885196906" sldId="2147483723"/>
+              <ac:spMk id="2" creationId="{00000000-0000-0000-0000-000000000000}"/>
+            </ac:spMkLst>
+          </pc:spChg>
+          <pc:spChg chg="mod">
+            <ac:chgData name="Percy Soto Becerra" userId="74d2a9162288af9c" providerId="LiveId" clId="{1CB9548A-19C8-46EB-8EEE-D8CB779A6BD3}" dt="2022-02-13T06:44:58.015" v="22"/>
+            <ac:spMkLst>
+              <pc:docMk/>
+              <pc:sldMasterMk cId="402621226" sldId="2147483720"/>
+              <pc:sldLayoutMk cId="885196906" sldId="2147483723"/>
+              <ac:spMk id="3" creationId="{00000000-0000-0000-0000-000000000000}"/>
+            </ac:spMkLst>
+          </pc:spChg>
+        </pc:sldLayoutChg>
+        <pc:sldLayoutChg chg="modSp">
+          <pc:chgData name="Percy Soto Becerra" userId="74d2a9162288af9c" providerId="LiveId" clId="{1CB9548A-19C8-46EB-8EEE-D8CB779A6BD3}" dt="2022-02-13T06:44:58.015" v="22"/>
+          <pc:sldLayoutMkLst>
+            <pc:docMk/>
+            <pc:sldMasterMk cId="402621226" sldId="2147483720"/>
+            <pc:sldLayoutMk cId="3364645245" sldId="2147483724"/>
+          </pc:sldLayoutMkLst>
+          <pc:spChg chg="mod">
+            <ac:chgData name="Percy Soto Becerra" userId="74d2a9162288af9c" providerId="LiveId" clId="{1CB9548A-19C8-46EB-8EEE-D8CB779A6BD3}" dt="2022-02-13T06:44:58.015" v="22"/>
+            <ac:spMkLst>
+              <pc:docMk/>
+              <pc:sldMasterMk cId="402621226" sldId="2147483720"/>
+              <pc:sldLayoutMk cId="3364645245" sldId="2147483724"/>
+              <ac:spMk id="3" creationId="{00000000-0000-0000-0000-000000000000}"/>
+            </ac:spMkLst>
+          </pc:spChg>
+          <pc:spChg chg="mod">
+            <ac:chgData name="Percy Soto Becerra" userId="74d2a9162288af9c" providerId="LiveId" clId="{1CB9548A-19C8-46EB-8EEE-D8CB779A6BD3}" dt="2022-02-13T06:44:58.015" v="22"/>
+            <ac:spMkLst>
+              <pc:docMk/>
+              <pc:sldMasterMk cId="402621226" sldId="2147483720"/>
+              <pc:sldLayoutMk cId="3364645245" sldId="2147483724"/>
+              <ac:spMk id="4" creationId="{00000000-0000-0000-0000-000000000000}"/>
+            </ac:spMkLst>
+          </pc:spChg>
+        </pc:sldLayoutChg>
+        <pc:sldLayoutChg chg="modSp">
+          <pc:chgData name="Percy Soto Becerra" userId="74d2a9162288af9c" providerId="LiveId" clId="{1CB9548A-19C8-46EB-8EEE-D8CB779A6BD3}" dt="2022-02-13T06:44:58.015" v="22"/>
+          <pc:sldLayoutMkLst>
+            <pc:docMk/>
+            <pc:sldMasterMk cId="402621226" sldId="2147483720"/>
+            <pc:sldLayoutMk cId="375279914" sldId="2147483725"/>
+          </pc:sldLayoutMkLst>
+          <pc:spChg chg="mod">
+            <ac:chgData name="Percy Soto Becerra" userId="74d2a9162288af9c" providerId="LiveId" clId="{1CB9548A-19C8-46EB-8EEE-D8CB779A6BD3}" dt="2022-02-13T06:44:58.015" v="22"/>
+            <ac:spMkLst>
+              <pc:docMk/>
+              <pc:sldMasterMk cId="402621226" sldId="2147483720"/>
+              <pc:sldLayoutMk cId="375279914" sldId="2147483725"/>
+              <ac:spMk id="2" creationId="{00000000-0000-0000-0000-000000000000}"/>
+            </ac:spMkLst>
+          </pc:spChg>
+          <pc:spChg chg="mod">
+            <ac:chgData name="Percy Soto Becerra" userId="74d2a9162288af9c" providerId="LiveId" clId="{1CB9548A-19C8-46EB-8EEE-D8CB779A6BD3}" dt="2022-02-13T06:44:58.015" v="22"/>
+            <ac:spMkLst>
+              <pc:docMk/>
+              <pc:sldMasterMk cId="402621226" sldId="2147483720"/>
+              <pc:sldLayoutMk cId="375279914" sldId="2147483725"/>
+              <ac:spMk id="3" creationId="{00000000-0000-0000-0000-000000000000}"/>
+            </ac:spMkLst>
+          </pc:spChg>
+          <pc:spChg chg="mod">
+            <ac:chgData name="Percy Soto Becerra" userId="74d2a9162288af9c" providerId="LiveId" clId="{1CB9548A-19C8-46EB-8EEE-D8CB779A6BD3}" dt="2022-02-13T06:44:58.015" v="22"/>
+            <ac:spMkLst>
+              <pc:docMk/>
+              <pc:sldMasterMk cId="402621226" sldId="2147483720"/>
+              <pc:sldLayoutMk cId="375279914" sldId="2147483725"/>
+              <ac:spMk id="4" creationId="{00000000-0000-0000-0000-000000000000}"/>
+            </ac:spMkLst>
+          </pc:spChg>
+          <pc:spChg chg="mod">
+            <ac:chgData name="Percy Soto Becerra" userId="74d2a9162288af9c" providerId="LiveId" clId="{1CB9548A-19C8-46EB-8EEE-D8CB779A6BD3}" dt="2022-02-13T06:44:58.015" v="22"/>
+            <ac:spMkLst>
+              <pc:docMk/>
+              <pc:sldMasterMk cId="402621226" sldId="2147483720"/>
+              <pc:sldLayoutMk cId="375279914" sldId="2147483725"/>
+              <ac:spMk id="5" creationId="{00000000-0000-0000-0000-000000000000}"/>
+            </ac:spMkLst>
+          </pc:spChg>
+          <pc:spChg chg="mod">
+            <ac:chgData name="Percy Soto Becerra" userId="74d2a9162288af9c" providerId="LiveId" clId="{1CB9548A-19C8-46EB-8EEE-D8CB779A6BD3}" dt="2022-02-13T06:44:58.015" v="22"/>
+            <ac:spMkLst>
+              <pc:docMk/>
+              <pc:sldMasterMk cId="402621226" sldId="2147483720"/>
+              <pc:sldLayoutMk cId="375279914" sldId="2147483725"/>
+              <ac:spMk id="6" creationId="{00000000-0000-0000-0000-000000000000}"/>
+            </ac:spMkLst>
+          </pc:spChg>
+        </pc:sldLayoutChg>
+        <pc:sldLayoutChg chg="modSp">
+          <pc:chgData name="Percy Soto Becerra" userId="74d2a9162288af9c" providerId="LiveId" clId="{1CB9548A-19C8-46EB-8EEE-D8CB779A6BD3}" dt="2022-02-13T06:44:58.015" v="22"/>
+          <pc:sldLayoutMkLst>
+            <pc:docMk/>
+            <pc:sldMasterMk cId="402621226" sldId="2147483720"/>
+            <pc:sldLayoutMk cId="2158435971" sldId="2147483728"/>
+          </pc:sldLayoutMkLst>
+          <pc:spChg chg="mod">
+            <ac:chgData name="Percy Soto Becerra" userId="74d2a9162288af9c" providerId="LiveId" clId="{1CB9548A-19C8-46EB-8EEE-D8CB779A6BD3}" dt="2022-02-13T06:44:58.015" v="22"/>
+            <ac:spMkLst>
+              <pc:docMk/>
+              <pc:sldMasterMk cId="402621226" sldId="2147483720"/>
+              <pc:sldLayoutMk cId="2158435971" sldId="2147483728"/>
+              <ac:spMk id="2" creationId="{00000000-0000-0000-0000-000000000000}"/>
+            </ac:spMkLst>
+          </pc:spChg>
+          <pc:spChg chg="mod">
+            <ac:chgData name="Percy Soto Becerra" userId="74d2a9162288af9c" providerId="LiveId" clId="{1CB9548A-19C8-46EB-8EEE-D8CB779A6BD3}" dt="2022-02-13T06:44:58.015" v="22"/>
+            <ac:spMkLst>
+              <pc:docMk/>
+              <pc:sldMasterMk cId="402621226" sldId="2147483720"/>
+              <pc:sldLayoutMk cId="2158435971" sldId="2147483728"/>
+              <ac:spMk id="3" creationId="{00000000-0000-0000-0000-000000000000}"/>
+            </ac:spMkLst>
+          </pc:spChg>
+          <pc:spChg chg="mod">
+            <ac:chgData name="Percy Soto Becerra" userId="74d2a9162288af9c" providerId="LiveId" clId="{1CB9548A-19C8-46EB-8EEE-D8CB779A6BD3}" dt="2022-02-13T06:44:58.015" v="22"/>
+            <ac:spMkLst>
+              <pc:docMk/>
+              <pc:sldMasterMk cId="402621226" sldId="2147483720"/>
+              <pc:sldLayoutMk cId="2158435971" sldId="2147483728"/>
+              <ac:spMk id="4" creationId="{00000000-0000-0000-0000-000000000000}"/>
+            </ac:spMkLst>
+          </pc:spChg>
+        </pc:sldLayoutChg>
+        <pc:sldLayoutChg chg="modSp">
+          <pc:chgData name="Percy Soto Becerra" userId="74d2a9162288af9c" providerId="LiveId" clId="{1CB9548A-19C8-46EB-8EEE-D8CB779A6BD3}" dt="2022-02-13T06:44:58.015" v="22"/>
+          <pc:sldLayoutMkLst>
+            <pc:docMk/>
+            <pc:sldMasterMk cId="402621226" sldId="2147483720"/>
+            <pc:sldLayoutMk cId="2268944562" sldId="2147483729"/>
+          </pc:sldLayoutMkLst>
+          <pc:spChg chg="mod">
+            <ac:chgData name="Percy Soto Becerra" userId="74d2a9162288af9c" providerId="LiveId" clId="{1CB9548A-19C8-46EB-8EEE-D8CB779A6BD3}" dt="2022-02-13T06:44:58.015" v="22"/>
+            <ac:spMkLst>
+              <pc:docMk/>
+              <pc:sldMasterMk cId="402621226" sldId="2147483720"/>
+              <pc:sldLayoutMk cId="2268944562" sldId="2147483729"/>
+              <ac:spMk id="2" creationId="{00000000-0000-0000-0000-000000000000}"/>
+            </ac:spMkLst>
+          </pc:spChg>
+          <pc:spChg chg="mod">
+            <ac:chgData name="Percy Soto Becerra" userId="74d2a9162288af9c" providerId="LiveId" clId="{1CB9548A-19C8-46EB-8EEE-D8CB779A6BD3}" dt="2022-02-13T06:44:58.015" v="22"/>
+            <ac:spMkLst>
+              <pc:docMk/>
+              <pc:sldMasterMk cId="402621226" sldId="2147483720"/>
+              <pc:sldLayoutMk cId="2268944562" sldId="2147483729"/>
+              <ac:spMk id="3" creationId="{00000000-0000-0000-0000-000000000000}"/>
+            </ac:spMkLst>
+          </pc:spChg>
+          <pc:spChg chg="mod">
+            <ac:chgData name="Percy Soto Becerra" userId="74d2a9162288af9c" providerId="LiveId" clId="{1CB9548A-19C8-46EB-8EEE-D8CB779A6BD3}" dt="2022-02-13T06:44:58.015" v="22"/>
+            <ac:spMkLst>
+              <pc:docMk/>
+              <pc:sldMasterMk cId="402621226" sldId="2147483720"/>
+              <pc:sldLayoutMk cId="2268944562" sldId="2147483729"/>
+              <ac:spMk id="4" creationId="{00000000-0000-0000-0000-000000000000}"/>
+            </ac:spMkLst>
+          </pc:spChg>
+        </pc:sldLayoutChg>
+        <pc:sldLayoutChg chg="modSp">
+          <pc:chgData name="Percy Soto Becerra" userId="74d2a9162288af9c" providerId="LiveId" clId="{1CB9548A-19C8-46EB-8EEE-D8CB779A6BD3}" dt="2022-02-13T06:44:58.015" v="22"/>
+          <pc:sldLayoutMkLst>
+            <pc:docMk/>
+            <pc:sldMasterMk cId="402621226" sldId="2147483720"/>
+            <pc:sldLayoutMk cId="3715651748" sldId="2147483731"/>
+          </pc:sldLayoutMkLst>
+          <pc:spChg chg="mod">
+            <ac:chgData name="Percy Soto Becerra" userId="74d2a9162288af9c" providerId="LiveId" clId="{1CB9548A-19C8-46EB-8EEE-D8CB779A6BD3}" dt="2022-02-13T06:44:58.015" v="22"/>
+            <ac:spMkLst>
+              <pc:docMk/>
+              <pc:sldMasterMk cId="402621226" sldId="2147483720"/>
+              <pc:sldLayoutMk cId="3715651748" sldId="2147483731"/>
+              <ac:spMk id="2" creationId="{00000000-0000-0000-0000-000000000000}"/>
+            </ac:spMkLst>
+          </pc:spChg>
+          <pc:spChg chg="mod">
+            <ac:chgData name="Percy Soto Becerra" userId="74d2a9162288af9c" providerId="LiveId" clId="{1CB9548A-19C8-46EB-8EEE-D8CB779A6BD3}" dt="2022-02-13T06:44:58.015" v="22"/>
+            <ac:spMkLst>
+              <pc:docMk/>
+              <pc:sldMasterMk cId="402621226" sldId="2147483720"/>
+              <pc:sldLayoutMk cId="3715651748" sldId="2147483731"/>
+              <ac:spMk id="3" creationId="{00000000-0000-0000-0000-000000000000}"/>
+            </ac:spMkLst>
+          </pc:spChg>
+        </pc:sldLayoutChg>
+      </pc:sldMasterChg>
     </pc:docChg>
   </pc:docChgLst>
 </pc:chgInfo>
@@ -178,7 +1016,7 @@
         </p:nvSpPr>
         <p:spPr>
           <a:xfrm>
-            <a:off x="1524000" y="530524"/>
+            <a:off x="1524001" y="530526"/>
             <a:ext cx="9144000" cy="1128583"/>
           </a:xfrm>
         </p:spPr>
@@ -210,7 +1048,7 @@
         </p:nvSpPr>
         <p:spPr>
           <a:xfrm>
-            <a:off x="1524000" y="1702630"/>
+            <a:off x="1524001" y="1702631"/>
             <a:ext cx="9144000" cy="782654"/>
           </a:xfrm>
         </p:spPr>
@@ -221,35 +1059,35 @@
               <a:buNone/>
               <a:defRPr sz="1134"/>
             </a:lvl1pPr>
-            <a:lvl2pPr marL="216118" indent="0" algn="ctr">
+            <a:lvl2pPr marL="216121" indent="0" algn="ctr">
               <a:buNone/>
               <a:defRPr sz="945"/>
             </a:lvl2pPr>
-            <a:lvl3pPr marL="432237" indent="0" algn="ctr">
+            <a:lvl3pPr marL="432244" indent="0" algn="ctr">
               <a:buNone/>
               <a:defRPr sz="851"/>
             </a:lvl3pPr>
-            <a:lvl4pPr marL="648355" indent="0" algn="ctr">
+            <a:lvl4pPr marL="648366" indent="0" algn="ctr">
               <a:buNone/>
               <a:defRPr sz="756"/>
             </a:lvl4pPr>
-            <a:lvl5pPr marL="864474" indent="0" algn="ctr">
+            <a:lvl5pPr marL="864488" indent="0" algn="ctr">
               <a:buNone/>
               <a:defRPr sz="756"/>
             </a:lvl5pPr>
-            <a:lvl6pPr marL="1080592" indent="0" algn="ctr">
+            <a:lvl6pPr marL="1080610" indent="0" algn="ctr">
               <a:buNone/>
               <a:defRPr sz="756"/>
             </a:lvl6pPr>
-            <a:lvl7pPr marL="1296711" indent="0" algn="ctr">
+            <a:lvl7pPr marL="1296733" indent="0" algn="ctr">
               <a:buNone/>
               <a:defRPr sz="756"/>
             </a:lvl7pPr>
-            <a:lvl8pPr marL="1512829" indent="0" algn="ctr">
+            <a:lvl8pPr marL="1512854" indent="0" algn="ctr">
               <a:buNone/>
               <a:defRPr sz="756"/>
             </a:lvl8pPr>
-            <a:lvl9pPr marL="1728948" indent="0" algn="ctr">
+            <a:lvl9pPr marL="1728977" indent="0" algn="ctr">
               <a:buNone/>
               <a:defRPr sz="756"/>
             </a:lvl9pPr>
@@ -540,7 +1378,7 @@
         </p:nvSpPr>
         <p:spPr>
           <a:xfrm>
-            <a:off x="8724900" y="172589"/>
+            <a:off x="8724901" y="172590"/>
             <a:ext cx="2628900" cy="2747170"/>
           </a:xfrm>
         </p:spPr>
@@ -568,7 +1406,7 @@
         </p:nvSpPr>
         <p:spPr>
           <a:xfrm>
-            <a:off x="838200" y="172589"/>
+            <a:off x="838200" y="172590"/>
             <a:ext cx="7734300" cy="2747170"/>
           </a:xfrm>
         </p:spPr>
@@ -890,7 +1728,7 @@
         </p:nvSpPr>
         <p:spPr>
           <a:xfrm>
-            <a:off x="831850" y="808168"/>
+            <a:off x="831850" y="808170"/>
             <a:ext cx="10515600" cy="1348447"/>
           </a:xfrm>
         </p:spPr>
@@ -939,7 +1777,7 @@
                 </a:solidFill>
               </a:defRPr>
             </a:lvl1pPr>
-            <a:lvl2pPr marL="216118" indent="0">
+            <a:lvl2pPr marL="216121" indent="0">
               <a:buNone/>
               <a:defRPr sz="945">
                 <a:solidFill>
@@ -949,7 +1787,7 @@
                 </a:solidFill>
               </a:defRPr>
             </a:lvl2pPr>
-            <a:lvl3pPr marL="432237" indent="0">
+            <a:lvl3pPr marL="432244" indent="0">
               <a:buNone/>
               <a:defRPr sz="851">
                 <a:solidFill>
@@ -959,7 +1797,7 @@
                 </a:solidFill>
               </a:defRPr>
             </a:lvl3pPr>
-            <a:lvl4pPr marL="648355" indent="0">
+            <a:lvl4pPr marL="648366" indent="0">
               <a:buNone/>
               <a:defRPr sz="756">
                 <a:solidFill>
@@ -969,7 +1807,7 @@
                 </a:solidFill>
               </a:defRPr>
             </a:lvl4pPr>
-            <a:lvl5pPr marL="864474" indent="0">
+            <a:lvl5pPr marL="864488" indent="0">
               <a:buNone/>
               <a:defRPr sz="756">
                 <a:solidFill>
@@ -979,7 +1817,7 @@
                 </a:solidFill>
               </a:defRPr>
             </a:lvl5pPr>
-            <a:lvl6pPr marL="1080592" indent="0">
+            <a:lvl6pPr marL="1080610" indent="0">
               <a:buNone/>
               <a:defRPr sz="756">
                 <a:solidFill>
@@ -989,7 +1827,7 @@
                 </a:solidFill>
               </a:defRPr>
             </a:lvl6pPr>
-            <a:lvl7pPr marL="1296711" indent="0">
+            <a:lvl7pPr marL="1296733" indent="0">
               <a:buNone/>
               <a:defRPr sz="756">
                 <a:solidFill>
@@ -999,7 +1837,7 @@
                 </a:solidFill>
               </a:defRPr>
             </a:lvl7pPr>
-            <a:lvl8pPr marL="1512829" indent="0">
+            <a:lvl8pPr marL="1512854" indent="0">
               <a:buNone/>
               <a:defRPr sz="756">
                 <a:solidFill>
@@ -1009,7 +1847,7 @@
                 </a:solidFill>
               </a:defRPr>
             </a:lvl8pPr>
-            <a:lvl9pPr marL="1728948" indent="0">
+            <a:lvl9pPr marL="1728977" indent="0">
               <a:buNone/>
               <a:defRPr sz="756">
                 <a:solidFill>
@@ -1159,7 +1997,7 @@
         </p:nvSpPr>
         <p:spPr>
           <a:xfrm>
-            <a:off x="838200" y="862946"/>
+            <a:off x="838201" y="862948"/>
             <a:ext cx="5181600" cy="2056813"/>
           </a:xfrm>
         </p:spPr>
@@ -1216,7 +2054,7 @@
         </p:nvSpPr>
         <p:spPr>
           <a:xfrm>
-            <a:off x="6172200" y="862946"/>
+            <a:off x="6172200" y="862948"/>
             <a:ext cx="5181600" cy="2056813"/>
           </a:xfrm>
         </p:spPr>
@@ -1368,7 +2206,7 @@
         </p:nvSpPr>
         <p:spPr>
           <a:xfrm>
-            <a:off x="839788" y="172589"/>
+            <a:off x="839788" y="172590"/>
             <a:ext cx="10515600" cy="626574"/>
           </a:xfrm>
         </p:spPr>
@@ -1396,7 +2234,7 @@
         </p:nvSpPr>
         <p:spPr>
           <a:xfrm>
-            <a:off x="839789" y="794661"/>
+            <a:off x="839791" y="794663"/>
             <a:ext cx="5157787" cy="389451"/>
           </a:xfrm>
         </p:spPr>
@@ -1407,35 +2245,35 @@
               <a:buNone/>
               <a:defRPr sz="1134" b="1"/>
             </a:lvl1pPr>
-            <a:lvl2pPr marL="216118" indent="0">
+            <a:lvl2pPr marL="216121" indent="0">
               <a:buNone/>
               <a:defRPr sz="945" b="1"/>
             </a:lvl2pPr>
-            <a:lvl3pPr marL="432237" indent="0">
+            <a:lvl3pPr marL="432244" indent="0">
               <a:buNone/>
               <a:defRPr sz="851" b="1"/>
             </a:lvl3pPr>
-            <a:lvl4pPr marL="648355" indent="0">
+            <a:lvl4pPr marL="648366" indent="0">
               <a:buNone/>
               <a:defRPr sz="756" b="1"/>
             </a:lvl4pPr>
-            <a:lvl5pPr marL="864474" indent="0">
+            <a:lvl5pPr marL="864488" indent="0">
               <a:buNone/>
               <a:defRPr sz="756" b="1"/>
             </a:lvl5pPr>
-            <a:lvl6pPr marL="1080592" indent="0">
+            <a:lvl6pPr marL="1080610" indent="0">
               <a:buNone/>
               <a:defRPr sz="756" b="1"/>
             </a:lvl6pPr>
-            <a:lvl7pPr marL="1296711" indent="0">
+            <a:lvl7pPr marL="1296733" indent="0">
               <a:buNone/>
               <a:defRPr sz="756" b="1"/>
             </a:lvl7pPr>
-            <a:lvl8pPr marL="1512829" indent="0">
+            <a:lvl8pPr marL="1512854" indent="0">
               <a:buNone/>
               <a:defRPr sz="756" b="1"/>
             </a:lvl8pPr>
-            <a:lvl9pPr marL="1728948" indent="0">
+            <a:lvl9pPr marL="1728977" indent="0">
               <a:buNone/>
               <a:defRPr sz="756" b="1"/>
             </a:lvl9pPr>
@@ -1461,7 +2299,7 @@
         </p:nvSpPr>
         <p:spPr>
           <a:xfrm>
-            <a:off x="839789" y="1184112"/>
+            <a:off x="839791" y="1184113"/>
             <a:ext cx="5157787" cy="1741650"/>
           </a:xfrm>
         </p:spPr>
@@ -1518,7 +2356,7 @@
         </p:nvSpPr>
         <p:spPr>
           <a:xfrm>
-            <a:off x="6172200" y="794661"/>
+            <a:off x="6172200" y="794663"/>
             <a:ext cx="5183188" cy="389451"/>
           </a:xfrm>
         </p:spPr>
@@ -1529,35 +2367,35 @@
               <a:buNone/>
               <a:defRPr sz="1134" b="1"/>
             </a:lvl1pPr>
-            <a:lvl2pPr marL="216118" indent="0">
+            <a:lvl2pPr marL="216121" indent="0">
               <a:buNone/>
               <a:defRPr sz="945" b="1"/>
             </a:lvl2pPr>
-            <a:lvl3pPr marL="432237" indent="0">
+            <a:lvl3pPr marL="432244" indent="0">
               <a:buNone/>
               <a:defRPr sz="851" b="1"/>
             </a:lvl3pPr>
-            <a:lvl4pPr marL="648355" indent="0">
+            <a:lvl4pPr marL="648366" indent="0">
               <a:buNone/>
               <a:defRPr sz="756" b="1"/>
             </a:lvl4pPr>
-            <a:lvl5pPr marL="864474" indent="0">
+            <a:lvl5pPr marL="864488" indent="0">
               <a:buNone/>
               <a:defRPr sz="756" b="1"/>
             </a:lvl5pPr>
-            <a:lvl6pPr marL="1080592" indent="0">
+            <a:lvl6pPr marL="1080610" indent="0">
               <a:buNone/>
               <a:defRPr sz="756" b="1"/>
             </a:lvl6pPr>
-            <a:lvl7pPr marL="1296711" indent="0">
+            <a:lvl7pPr marL="1296733" indent="0">
               <a:buNone/>
               <a:defRPr sz="756" b="1"/>
             </a:lvl7pPr>
-            <a:lvl8pPr marL="1512829" indent="0">
+            <a:lvl8pPr marL="1512854" indent="0">
               <a:buNone/>
               <a:defRPr sz="756" b="1"/>
             </a:lvl8pPr>
-            <a:lvl9pPr marL="1728948" indent="0">
+            <a:lvl9pPr marL="1728977" indent="0">
               <a:buNone/>
               <a:defRPr sz="756" b="1"/>
             </a:lvl9pPr>
@@ -1583,7 +2421,7 @@
         </p:nvSpPr>
         <p:spPr>
           <a:xfrm>
-            <a:off x="6172200" y="1184112"/>
+            <a:off x="6172200" y="1184113"/>
             <a:ext cx="5183188" cy="1741650"/>
           </a:xfrm>
         </p:spPr>
@@ -1948,7 +2786,7 @@
         </p:nvSpPr>
         <p:spPr>
           <a:xfrm>
-            <a:off x="839789" y="216112"/>
+            <a:off x="839792" y="216113"/>
             <a:ext cx="3932237" cy="756391"/>
           </a:xfrm>
         </p:spPr>
@@ -1980,7 +2818,7 @@
         </p:nvSpPr>
         <p:spPr>
           <a:xfrm>
-            <a:off x="5183188" y="466742"/>
+            <a:off x="5183189" y="466743"/>
             <a:ext cx="6172200" cy="2303690"/>
           </a:xfrm>
         </p:spPr>
@@ -2065,7 +2903,7 @@
         </p:nvSpPr>
         <p:spPr>
           <a:xfrm>
-            <a:off x="839789" y="972503"/>
+            <a:off x="839792" y="972505"/>
             <a:ext cx="3932237" cy="1801681"/>
           </a:xfrm>
         </p:spPr>
@@ -2076,35 +2914,35 @@
               <a:buNone/>
               <a:defRPr sz="756"/>
             </a:lvl1pPr>
-            <a:lvl2pPr marL="216118" indent="0">
+            <a:lvl2pPr marL="216121" indent="0">
               <a:buNone/>
               <a:defRPr sz="662"/>
             </a:lvl2pPr>
-            <a:lvl3pPr marL="432237" indent="0">
+            <a:lvl3pPr marL="432244" indent="0">
               <a:buNone/>
               <a:defRPr sz="567"/>
             </a:lvl3pPr>
-            <a:lvl4pPr marL="648355" indent="0">
+            <a:lvl4pPr marL="648366" indent="0">
               <a:buNone/>
               <a:defRPr sz="473"/>
             </a:lvl4pPr>
-            <a:lvl5pPr marL="864474" indent="0">
+            <a:lvl5pPr marL="864488" indent="0">
               <a:buNone/>
               <a:defRPr sz="473"/>
             </a:lvl5pPr>
-            <a:lvl6pPr marL="1080592" indent="0">
+            <a:lvl6pPr marL="1080610" indent="0">
               <a:buNone/>
               <a:defRPr sz="473"/>
             </a:lvl6pPr>
-            <a:lvl7pPr marL="1296711" indent="0">
+            <a:lvl7pPr marL="1296733" indent="0">
               <a:buNone/>
               <a:defRPr sz="473"/>
             </a:lvl7pPr>
-            <a:lvl8pPr marL="1512829" indent="0">
+            <a:lvl8pPr marL="1512854" indent="0">
               <a:buNone/>
               <a:defRPr sz="473"/>
             </a:lvl8pPr>
-            <a:lvl9pPr marL="1728948" indent="0">
+            <a:lvl9pPr marL="1728977" indent="0">
               <a:buNone/>
               <a:defRPr sz="473"/>
             </a:lvl9pPr>
@@ -2225,7 +3063,7 @@
         </p:nvSpPr>
         <p:spPr>
           <a:xfrm>
-            <a:off x="839789" y="216112"/>
+            <a:off x="839792" y="216113"/>
             <a:ext cx="3932237" cy="756391"/>
           </a:xfrm>
         </p:spPr>
@@ -2257,7 +3095,7 @@
         </p:nvSpPr>
         <p:spPr>
           <a:xfrm>
-            <a:off x="5183188" y="466742"/>
+            <a:off x="5183189" y="466743"/>
             <a:ext cx="6172200" cy="2303690"/>
           </a:xfrm>
         </p:spPr>
@@ -2268,35 +3106,35 @@
               <a:buNone/>
               <a:defRPr sz="1513"/>
             </a:lvl1pPr>
-            <a:lvl2pPr marL="216118" indent="0">
+            <a:lvl2pPr marL="216121" indent="0">
               <a:buNone/>
               <a:defRPr sz="1324"/>
             </a:lvl2pPr>
-            <a:lvl3pPr marL="432237" indent="0">
+            <a:lvl3pPr marL="432244" indent="0">
               <a:buNone/>
               <a:defRPr sz="1134"/>
             </a:lvl3pPr>
-            <a:lvl4pPr marL="648355" indent="0">
+            <a:lvl4pPr marL="648366" indent="0">
               <a:buNone/>
               <a:defRPr sz="945"/>
             </a:lvl4pPr>
-            <a:lvl5pPr marL="864474" indent="0">
+            <a:lvl5pPr marL="864488" indent="0">
               <a:buNone/>
               <a:defRPr sz="945"/>
             </a:lvl5pPr>
-            <a:lvl6pPr marL="1080592" indent="0">
+            <a:lvl6pPr marL="1080610" indent="0">
               <a:buNone/>
               <a:defRPr sz="945"/>
             </a:lvl6pPr>
-            <a:lvl7pPr marL="1296711" indent="0">
+            <a:lvl7pPr marL="1296733" indent="0">
               <a:buNone/>
               <a:defRPr sz="945"/>
             </a:lvl7pPr>
-            <a:lvl8pPr marL="1512829" indent="0">
+            <a:lvl8pPr marL="1512854" indent="0">
               <a:buNone/>
               <a:defRPr sz="945"/>
             </a:lvl8pPr>
-            <a:lvl9pPr marL="1728948" indent="0">
+            <a:lvl9pPr marL="1728977" indent="0">
               <a:buNone/>
               <a:defRPr sz="945"/>
             </a:lvl9pPr>
@@ -2322,7 +3160,7 @@
         </p:nvSpPr>
         <p:spPr>
           <a:xfrm>
-            <a:off x="839789" y="972503"/>
+            <a:off x="839792" y="972505"/>
             <a:ext cx="3932237" cy="1801681"/>
           </a:xfrm>
         </p:spPr>
@@ -2333,35 +3171,35 @@
               <a:buNone/>
               <a:defRPr sz="756"/>
             </a:lvl1pPr>
-            <a:lvl2pPr marL="216118" indent="0">
+            <a:lvl2pPr marL="216121" indent="0">
               <a:buNone/>
               <a:defRPr sz="662"/>
             </a:lvl2pPr>
-            <a:lvl3pPr marL="432237" indent="0">
+            <a:lvl3pPr marL="432244" indent="0">
               <a:buNone/>
               <a:defRPr sz="567"/>
             </a:lvl3pPr>
-            <a:lvl4pPr marL="648355" indent="0">
+            <a:lvl4pPr marL="648366" indent="0">
               <a:buNone/>
               <a:defRPr sz="473"/>
             </a:lvl4pPr>
-            <a:lvl5pPr marL="864474" indent="0">
+            <a:lvl5pPr marL="864488" indent="0">
               <a:buNone/>
               <a:defRPr sz="473"/>
             </a:lvl5pPr>
-            <a:lvl6pPr marL="1080592" indent="0">
+            <a:lvl6pPr marL="1080610" indent="0">
               <a:buNone/>
               <a:defRPr sz="473"/>
             </a:lvl6pPr>
-            <a:lvl7pPr marL="1296711" indent="0">
+            <a:lvl7pPr marL="1296733" indent="0">
               <a:buNone/>
               <a:defRPr sz="473"/>
             </a:lvl7pPr>
-            <a:lvl8pPr marL="1512829" indent="0">
+            <a:lvl8pPr marL="1512854" indent="0">
               <a:buNone/>
               <a:defRPr sz="473"/>
             </a:lvl8pPr>
-            <a:lvl9pPr marL="1728948" indent="0">
+            <a:lvl9pPr marL="1728977" indent="0">
               <a:buNone/>
               <a:defRPr sz="473"/>
             </a:lvl9pPr>
@@ -2487,7 +3325,7 @@
         </p:nvSpPr>
         <p:spPr>
           <a:xfrm>
-            <a:off x="838200" y="172589"/>
+            <a:off x="838200" y="172590"/>
             <a:ext cx="10515600" cy="626574"/>
           </a:xfrm>
           <a:prstGeom prst="rect">
@@ -2520,7 +3358,7 @@
         </p:nvSpPr>
         <p:spPr>
           <a:xfrm>
-            <a:off x="838200" y="862946"/>
+            <a:off x="838200" y="862948"/>
             <a:ext cx="10515600" cy="2056813"/>
           </a:xfrm>
           <a:prstGeom prst="rect">
@@ -2582,7 +3420,7 @@
         </p:nvSpPr>
         <p:spPr>
           <a:xfrm>
-            <a:off x="838200" y="3004553"/>
+            <a:off x="838201" y="3004554"/>
             <a:ext cx="2743200" cy="172589"/>
           </a:xfrm>
           <a:prstGeom prst="rect">
@@ -2623,7 +3461,7 @@
         </p:nvSpPr>
         <p:spPr>
           <a:xfrm>
-            <a:off x="4038600" y="3004553"/>
+            <a:off x="4038600" y="3004554"/>
             <a:ext cx="4114800" cy="172589"/>
           </a:xfrm>
           <a:prstGeom prst="rect">
@@ -2660,7 +3498,7 @@
         </p:nvSpPr>
         <p:spPr>
           <a:xfrm>
-            <a:off x="8610600" y="3004553"/>
+            <a:off x="8610600" y="3004554"/>
             <a:ext cx="2743200" cy="172589"/>
           </a:xfrm>
           <a:prstGeom prst="rect">
@@ -2712,7 +3550,7 @@
   </p:sldLayoutIdLst>
   <p:txStyles>
     <p:titleStyle>
-      <a:lvl1pPr algn="l" defTabSz="432237" rtl="0" eaLnBrk="1" latinLnBrk="0" hangingPunct="1">
+      <a:lvl1pPr algn="l" defTabSz="432244" rtl="0" eaLnBrk="1" latinLnBrk="0" hangingPunct="1">
         <a:lnSpc>
           <a:spcPct val="90000"/>
         </a:lnSpc>
@@ -2731,7 +3569,7 @@
       </a:lvl1pPr>
     </p:titleStyle>
     <p:bodyStyle>
-      <a:lvl1pPr marL="108059" indent="-108059" algn="l" defTabSz="432237" rtl="0" eaLnBrk="1" latinLnBrk="0" hangingPunct="1">
+      <a:lvl1pPr marL="108061" indent="-108061" algn="l" defTabSz="432244" rtl="0" eaLnBrk="1" latinLnBrk="0" hangingPunct="1">
         <a:lnSpc>
           <a:spcPct val="90000"/>
         </a:lnSpc>
@@ -2749,7 +3587,7 @@
           <a:cs typeface="+mn-cs"/>
         </a:defRPr>
       </a:lvl1pPr>
-      <a:lvl2pPr marL="324178" indent="-108059" algn="l" defTabSz="432237" rtl="0" eaLnBrk="1" latinLnBrk="0" hangingPunct="1">
+      <a:lvl2pPr marL="324183" indent="-108061" algn="l" defTabSz="432244" rtl="0" eaLnBrk="1" latinLnBrk="0" hangingPunct="1">
         <a:lnSpc>
           <a:spcPct val="90000"/>
         </a:lnSpc>
@@ -2767,7 +3605,7 @@
           <a:cs typeface="+mn-cs"/>
         </a:defRPr>
       </a:lvl2pPr>
-      <a:lvl3pPr marL="540296" indent="-108059" algn="l" defTabSz="432237" rtl="0" eaLnBrk="1" latinLnBrk="0" hangingPunct="1">
+      <a:lvl3pPr marL="540305" indent="-108061" algn="l" defTabSz="432244" rtl="0" eaLnBrk="1" latinLnBrk="0" hangingPunct="1">
         <a:lnSpc>
           <a:spcPct val="90000"/>
         </a:lnSpc>
@@ -2785,7 +3623,7 @@
           <a:cs typeface="+mn-cs"/>
         </a:defRPr>
       </a:lvl3pPr>
-      <a:lvl4pPr marL="756415" indent="-108059" algn="l" defTabSz="432237" rtl="0" eaLnBrk="1" latinLnBrk="0" hangingPunct="1">
+      <a:lvl4pPr marL="756427" indent="-108061" algn="l" defTabSz="432244" rtl="0" eaLnBrk="1" latinLnBrk="0" hangingPunct="1">
         <a:lnSpc>
           <a:spcPct val="90000"/>
         </a:lnSpc>
@@ -2803,7 +3641,7 @@
           <a:cs typeface="+mn-cs"/>
         </a:defRPr>
       </a:lvl4pPr>
-      <a:lvl5pPr marL="972533" indent="-108059" algn="l" defTabSz="432237" rtl="0" eaLnBrk="1" latinLnBrk="0" hangingPunct="1">
+      <a:lvl5pPr marL="972549" indent="-108061" algn="l" defTabSz="432244" rtl="0" eaLnBrk="1" latinLnBrk="0" hangingPunct="1">
         <a:lnSpc>
           <a:spcPct val="90000"/>
         </a:lnSpc>
@@ -2821,7 +3659,7 @@
           <a:cs typeface="+mn-cs"/>
         </a:defRPr>
       </a:lvl5pPr>
-      <a:lvl6pPr marL="1188651" indent="-108059" algn="l" defTabSz="432237" rtl="0" eaLnBrk="1" latinLnBrk="0" hangingPunct="1">
+      <a:lvl6pPr marL="1188671" indent="-108061" algn="l" defTabSz="432244" rtl="0" eaLnBrk="1" latinLnBrk="0" hangingPunct="1">
         <a:lnSpc>
           <a:spcPct val="90000"/>
         </a:lnSpc>
@@ -2839,7 +3677,7 @@
           <a:cs typeface="+mn-cs"/>
         </a:defRPr>
       </a:lvl6pPr>
-      <a:lvl7pPr marL="1404770" indent="-108059" algn="l" defTabSz="432237" rtl="0" eaLnBrk="1" latinLnBrk="0" hangingPunct="1">
+      <a:lvl7pPr marL="1404793" indent="-108061" algn="l" defTabSz="432244" rtl="0" eaLnBrk="1" latinLnBrk="0" hangingPunct="1">
         <a:lnSpc>
           <a:spcPct val="90000"/>
         </a:lnSpc>
@@ -2857,7 +3695,7 @@
           <a:cs typeface="+mn-cs"/>
         </a:defRPr>
       </a:lvl7pPr>
-      <a:lvl8pPr marL="1620888" indent="-108059" algn="l" defTabSz="432237" rtl="0" eaLnBrk="1" latinLnBrk="0" hangingPunct="1">
+      <a:lvl8pPr marL="1620915" indent="-108061" algn="l" defTabSz="432244" rtl="0" eaLnBrk="1" latinLnBrk="0" hangingPunct="1">
         <a:lnSpc>
           <a:spcPct val="90000"/>
         </a:lnSpc>
@@ -2875,7 +3713,7 @@
           <a:cs typeface="+mn-cs"/>
         </a:defRPr>
       </a:lvl8pPr>
-      <a:lvl9pPr marL="1837007" indent="-108059" algn="l" defTabSz="432237" rtl="0" eaLnBrk="1" latinLnBrk="0" hangingPunct="1">
+      <a:lvl9pPr marL="1837037" indent="-108061" algn="l" defTabSz="432244" rtl="0" eaLnBrk="1" latinLnBrk="0" hangingPunct="1">
         <a:lnSpc>
           <a:spcPct val="90000"/>
         </a:lnSpc>
@@ -2898,7 +3736,7 @@
       <a:defPPr>
         <a:defRPr lang="en-US"/>
       </a:defPPr>
-      <a:lvl1pPr marL="0" algn="l" defTabSz="432237" rtl="0" eaLnBrk="1" latinLnBrk="0" hangingPunct="1">
+      <a:lvl1pPr marL="0" algn="l" defTabSz="432244" rtl="0" eaLnBrk="1" latinLnBrk="0" hangingPunct="1">
         <a:defRPr sz="851" kern="1200">
           <a:solidFill>
             <a:schemeClr val="tx1"/>
@@ -2908,7 +3746,7 @@
           <a:cs typeface="+mn-cs"/>
         </a:defRPr>
       </a:lvl1pPr>
-      <a:lvl2pPr marL="216118" algn="l" defTabSz="432237" rtl="0" eaLnBrk="1" latinLnBrk="0" hangingPunct="1">
+      <a:lvl2pPr marL="216121" algn="l" defTabSz="432244" rtl="0" eaLnBrk="1" latinLnBrk="0" hangingPunct="1">
         <a:defRPr sz="851" kern="1200">
           <a:solidFill>
             <a:schemeClr val="tx1"/>
@@ -2918,7 +3756,7 @@
           <a:cs typeface="+mn-cs"/>
         </a:defRPr>
       </a:lvl2pPr>
-      <a:lvl3pPr marL="432237" algn="l" defTabSz="432237" rtl="0" eaLnBrk="1" latinLnBrk="0" hangingPunct="1">
+      <a:lvl3pPr marL="432244" algn="l" defTabSz="432244" rtl="0" eaLnBrk="1" latinLnBrk="0" hangingPunct="1">
         <a:defRPr sz="851" kern="1200">
           <a:solidFill>
             <a:schemeClr val="tx1"/>
@@ -2928,7 +3766,7 @@
           <a:cs typeface="+mn-cs"/>
         </a:defRPr>
       </a:lvl3pPr>
-      <a:lvl4pPr marL="648355" algn="l" defTabSz="432237" rtl="0" eaLnBrk="1" latinLnBrk="0" hangingPunct="1">
+      <a:lvl4pPr marL="648366" algn="l" defTabSz="432244" rtl="0" eaLnBrk="1" latinLnBrk="0" hangingPunct="1">
         <a:defRPr sz="851" kern="1200">
           <a:solidFill>
             <a:schemeClr val="tx1"/>
@@ -2938,7 +3776,7 @@
           <a:cs typeface="+mn-cs"/>
         </a:defRPr>
       </a:lvl4pPr>
-      <a:lvl5pPr marL="864474" algn="l" defTabSz="432237" rtl="0" eaLnBrk="1" latinLnBrk="0" hangingPunct="1">
+      <a:lvl5pPr marL="864488" algn="l" defTabSz="432244" rtl="0" eaLnBrk="1" latinLnBrk="0" hangingPunct="1">
         <a:defRPr sz="851" kern="1200">
           <a:solidFill>
             <a:schemeClr val="tx1"/>
@@ -2948,7 +3786,7 @@
           <a:cs typeface="+mn-cs"/>
         </a:defRPr>
       </a:lvl5pPr>
-      <a:lvl6pPr marL="1080592" algn="l" defTabSz="432237" rtl="0" eaLnBrk="1" latinLnBrk="0" hangingPunct="1">
+      <a:lvl6pPr marL="1080610" algn="l" defTabSz="432244" rtl="0" eaLnBrk="1" latinLnBrk="0" hangingPunct="1">
         <a:defRPr sz="851" kern="1200">
           <a:solidFill>
             <a:schemeClr val="tx1"/>
@@ -2958,7 +3796,7 @@
           <a:cs typeface="+mn-cs"/>
         </a:defRPr>
       </a:lvl6pPr>
-      <a:lvl7pPr marL="1296711" algn="l" defTabSz="432237" rtl="0" eaLnBrk="1" latinLnBrk="0" hangingPunct="1">
+      <a:lvl7pPr marL="1296733" algn="l" defTabSz="432244" rtl="0" eaLnBrk="1" latinLnBrk="0" hangingPunct="1">
         <a:defRPr sz="851" kern="1200">
           <a:solidFill>
             <a:schemeClr val="tx1"/>
@@ -2968,7 +3806,7 @@
           <a:cs typeface="+mn-cs"/>
         </a:defRPr>
       </a:lvl7pPr>
-      <a:lvl8pPr marL="1512829" algn="l" defTabSz="432237" rtl="0" eaLnBrk="1" latinLnBrk="0" hangingPunct="1">
+      <a:lvl8pPr marL="1512854" algn="l" defTabSz="432244" rtl="0" eaLnBrk="1" latinLnBrk="0" hangingPunct="1">
         <a:defRPr sz="851" kern="1200">
           <a:solidFill>
             <a:schemeClr val="tx1"/>
@@ -2978,7 +3816,7 @@
           <a:cs typeface="+mn-cs"/>
         </a:defRPr>
       </a:lvl8pPr>
-      <a:lvl9pPr marL="1728948" algn="l" defTabSz="432237" rtl="0" eaLnBrk="1" latinLnBrk="0" hangingPunct="1">
+      <a:lvl9pPr marL="1728977" algn="l" defTabSz="432244" rtl="0" eaLnBrk="1" latinLnBrk="0" hangingPunct="1">
         <a:defRPr sz="851" kern="1200">
           <a:solidFill>
             <a:schemeClr val="tx1"/>
@@ -3028,7 +3866,7 @@
         </p:nvSpPr>
         <p:spPr>
           <a:xfrm rot="20597848">
-            <a:off x="-892158" y="-454"/>
+            <a:off x="-756427" y="249850"/>
             <a:ext cx="8604608" cy="1793156"/>
           </a:xfrm>
         </p:spPr>
@@ -3065,16 +3903,16 @@
           <p:nvPr/>
         </p:nvSpPr>
         <p:spPr>
-          <a:xfrm rot="20614685">
-            <a:off x="851566" y="1669840"/>
-            <a:ext cx="6498186" cy="543343"/>
+          <a:xfrm rot="20549873">
+            <a:off x="1056455" y="1822867"/>
+            <a:ext cx="6322341" cy="543343"/>
           </a:xfrm>
           <a:prstGeom prst="rect">
             <a:avLst/>
           </a:prstGeom>
         </p:spPr>
         <p:txBody>
-          <a:bodyPr vert="horz" lIns="91437" tIns="45719" rIns="91437" bIns="45719" rtlCol="0" anchor="b">
+          <a:bodyPr vert="horz" lIns="91437" tIns="45720" rIns="91437" bIns="45720" rtlCol="0" anchor="b">
             <a:noAutofit/>
           </a:bodyPr>
           <a:lstStyle>
@@ -3097,8 +3935,9 @@
             </a:lvl1pPr>
           </a:lstStyle>
           <a:p>
-            <a:r>
-              <a:rPr lang="es-MX" sz="2793" b="1" dirty="0">
+            <a:pPr algn="r"/>
+            <a:r>
+              <a:rPr lang="es-MX" sz="2400" b="1" dirty="0">
                 <a:solidFill>
                   <a:schemeClr val="bg1">
                     <a:lumMod val="50000"/>
@@ -3110,7 +3949,7 @@
               <a:t>M.D., Epi &amp; </a:t>
             </a:r>
             <a:r>
-              <a:rPr lang="es-MX" sz="2793" b="1" dirty="0" err="1">
+              <a:rPr lang="es-MX" sz="2400" b="1" dirty="0" err="1">
                 <a:solidFill>
                   <a:schemeClr val="bg1">
                     <a:lumMod val="50000"/>
@@ -3122,7 +3961,7 @@
               <a:t>Health</a:t>
             </a:r>
             <a:r>
-              <a:rPr lang="es-MX" sz="2793" b="1" dirty="0">
+              <a:rPr lang="es-MX" sz="2400" b="1" dirty="0">
                 <a:solidFill>
                   <a:schemeClr val="bg1">
                     <a:lumMod val="50000"/>
@@ -3134,7 +3973,7 @@
               <a:t> Data </a:t>
             </a:r>
             <a:r>
-              <a:rPr lang="es-MX" sz="2793" b="1" dirty="0" err="1">
+              <a:rPr lang="es-MX" sz="2400" b="1" dirty="0" err="1">
                 <a:solidFill>
                   <a:schemeClr val="bg1">
                     <a:lumMod val="50000"/>
@@ -3145,7 +3984,7 @@
               </a:rPr>
               <a:t>Scientist</a:t>
             </a:r>
-            <a:endParaRPr lang="es-MX" sz="2793" b="1" dirty="0">
+            <a:endParaRPr lang="es-MX" sz="2400" b="1" dirty="0">
               <a:solidFill>
                 <a:schemeClr val="bg1">
                   <a:lumMod val="50000"/>
@@ -3173,15 +4012,15 @@
         </p:nvSpPr>
         <p:spPr>
           <a:xfrm>
-            <a:off x="7366723" y="690939"/>
-            <a:ext cx="4595037" cy="1693595"/>
+            <a:off x="7788614" y="681170"/>
+            <a:ext cx="4125931" cy="1693595"/>
           </a:xfrm>
           <a:prstGeom prst="rect">
             <a:avLst/>
           </a:prstGeom>
         </p:spPr>
         <p:txBody>
-          <a:bodyPr vert="horz" lIns="91437" tIns="45719" rIns="91437" bIns="45719" rtlCol="0" anchor="b">
+          <a:bodyPr vert="horz" lIns="91437" tIns="45720" rIns="91437" bIns="45720" rtlCol="0" anchor="b">
             <a:noAutofit/>
           </a:bodyPr>
           <a:lstStyle>
@@ -3205,42 +4044,42 @@
           </a:lstStyle>
           <a:p>
             <a:r>
-              <a:rPr lang="es-MX" sz="3600" b="1" dirty="0">
+              <a:rPr lang="es-MX" sz="3200" b="1" dirty="0">
                 <a:latin typeface="Segoe Print" panose="02000600000000000000" pitchFamily="2" charset="0"/>
               </a:rPr>
               <a:t>Reproducible </a:t>
             </a:r>
             <a:r>
-              <a:rPr lang="es-MX" sz="3600" b="1" dirty="0" err="1">
+              <a:rPr lang="es-MX" sz="3200" b="1" dirty="0" err="1">
                 <a:latin typeface="Segoe Print" panose="02000600000000000000" pitchFamily="2" charset="0"/>
               </a:rPr>
               <a:t>Code</a:t>
             </a:r>
             <a:r>
-              <a:rPr lang="es-MX" sz="3600" b="1" dirty="0">
+              <a:rPr lang="es-MX" sz="3200" b="1" dirty="0">
                 <a:latin typeface="Segoe Print" panose="02000600000000000000" pitchFamily="2" charset="0"/>
               </a:rPr>
               <a:t>, Blog and </a:t>
             </a:r>
             <a:r>
-              <a:rPr lang="es-MX" sz="3600" b="1" dirty="0" err="1">
+              <a:rPr lang="es-MX" sz="3200" b="1" dirty="0" err="1">
                 <a:latin typeface="Segoe Print" panose="02000600000000000000" pitchFamily="2" charset="0"/>
               </a:rPr>
               <a:t>Something</a:t>
             </a:r>
             <a:r>
-              <a:rPr lang="es-MX" sz="3600" b="1" dirty="0">
+              <a:rPr lang="es-MX" sz="3200" b="1" dirty="0">
                 <a:latin typeface="Segoe Print" panose="02000600000000000000" pitchFamily="2" charset="0"/>
               </a:rPr>
               <a:t> </a:t>
             </a:r>
             <a:r>
-              <a:rPr lang="es-MX" sz="3600" b="1" dirty="0" err="1">
+              <a:rPr lang="es-MX" sz="3200" b="1" dirty="0" err="1">
                 <a:latin typeface="Segoe Print" panose="02000600000000000000" pitchFamily="2" charset="0"/>
               </a:rPr>
               <a:t>Else</a:t>
             </a:r>
-            <a:endParaRPr lang="es-MX" sz="3600" b="1" dirty="0">
+            <a:endParaRPr lang="es-MX" sz="3200" b="1" dirty="0">
               <a:latin typeface="Segoe Print" panose="02000600000000000000" pitchFamily="2" charset="0"/>
             </a:endParaRPr>
           </a:p>
